--- a/06_C207_21S1.pptx
+++ b/06_C207_21S1.pptx
@@ -16,15 +16,15 @@
     <p:sldId id="548" r:id="rId4"/>
     <p:sldId id="549" r:id="rId5"/>
     <p:sldId id="547" r:id="rId6"/>
-    <p:sldId id="534" r:id="rId7"/>
-    <p:sldId id="551" r:id="rId8"/>
-    <p:sldId id="535" r:id="rId9"/>
-    <p:sldId id="544" r:id="rId10"/>
-    <p:sldId id="542" r:id="rId11"/>
-    <p:sldId id="550" r:id="rId12"/>
-    <p:sldId id="536" r:id="rId13"/>
-    <p:sldId id="537" r:id="rId14"/>
-    <p:sldId id="539" r:id="rId15"/>
+    <p:sldId id="542" r:id="rId7"/>
+    <p:sldId id="534" r:id="rId8"/>
+    <p:sldId id="551" r:id="rId9"/>
+    <p:sldId id="535" r:id="rId10"/>
+    <p:sldId id="539" r:id="rId11"/>
+    <p:sldId id="544" r:id="rId12"/>
+    <p:sldId id="550" r:id="rId13"/>
+    <p:sldId id="536" r:id="rId14"/>
+    <p:sldId id="537" r:id="rId15"/>
     <p:sldId id="552" r:id="rId16"/>
     <p:sldId id="553" r:id="rId17"/>
   </p:sldIdLst>
@@ -286,7 +286,7 @@
               <a:pPr>
                 <a:defRPr/>
               </a:pPr>
-              <a:t>4/12/21</a:t>
+              <a:t>4/13/2021</a:t>
             </a:fld>
             <a:endParaRPr lang="en-US"/>
           </a:p>
@@ -484,7 +484,7 @@
               <a:pPr>
                 <a:defRPr/>
               </a:pPr>
-              <a:t>4/12/21</a:t>
+              <a:t>4/13/2021</a:t>
             </a:fld>
             <a:endParaRPr lang="en-US"/>
           </a:p>
@@ -1043,7 +1043,7 @@
             </a:r>
             <a:fld id="{34199234-A25A-904C-9B74-56A4A07707A6}" type="datetime4">
               <a:rPr lang="en-AU" smtClean="0"/>
-              <a:t>12 April 2021</a:t>
+              <a:t>13 April 2021</a:t>
             </a:fld>
             <a:endParaRPr lang="en-US" dirty="0"/>
           </a:p>
@@ -1351,7 +1351,7 @@
             </a:r>
             <a:fld id="{A9DEA08E-4CB3-E742-9AC2-43959A293033}" type="datetime4">
               <a:rPr lang="en-AU" smtClean="0"/>
-              <a:t>12 April 2021</a:t>
+              <a:t>13 April 2021</a:t>
             </a:fld>
             <a:endParaRPr lang="en-US" dirty="0"/>
           </a:p>
@@ -1478,14 +1478,14 @@
           </a:ln>
           <a:extLst>
             <a:ext uri="{909E8E84-426E-40dd-AFC4-6F175D3DCCD1}">
-              <a14:hiddenFill xmlns="" xmlns:a14="http://schemas.microsoft.com/office/drawing/2010/main">
+              <a14:hiddenFill xmlns:a14="http://schemas.microsoft.com/office/drawing/2010/main" xmlns="">
                 <a:solidFill>
                   <a:srgbClr val="FFFFFF"/>
                 </a:solidFill>
               </a14:hiddenFill>
             </a:ext>
             <a:ext uri="{91240B29-F687-4f45-9708-019B960494DF}">
-              <a14:hiddenLine xmlns="" xmlns:a14="http://schemas.microsoft.com/office/drawing/2010/main" w="9525">
+              <a14:hiddenLine xmlns:a14="http://schemas.microsoft.com/office/drawing/2010/main" xmlns="" w="9525">
                 <a:solidFill>
                   <a:srgbClr val="000000"/>
                 </a:solidFill>
@@ -1495,7 +1495,7 @@
               </a14:hiddenLine>
             </a:ext>
             <a:ext uri="{FAA26D3D-D897-4be2-8F04-BA451C77F1D7}">
-              <ma14:placeholderFlag xmlns="" xmlns:ma14="http://schemas.microsoft.com/office/mac/drawingml/2011/main" val="1"/>
+              <ma14:placeholderFlag xmlns:ma14="http://schemas.microsoft.com/office/mac/drawingml/2011/main" xmlns="" val="1"/>
             </a:ext>
           </a:extLst>
         </p:spPr>
@@ -1539,14 +1539,14 @@
           </a:ln>
           <a:extLst>
             <a:ext uri="{909E8E84-426E-40dd-AFC4-6F175D3DCCD1}">
-              <a14:hiddenFill xmlns="" xmlns:a14="http://schemas.microsoft.com/office/drawing/2010/main">
+              <a14:hiddenFill xmlns:a14="http://schemas.microsoft.com/office/drawing/2010/main" xmlns="">
                 <a:solidFill>
                   <a:srgbClr val="FFFFFF"/>
                 </a:solidFill>
               </a14:hiddenFill>
             </a:ext>
             <a:ext uri="{91240B29-F687-4f45-9708-019B960494DF}">
-              <a14:hiddenLine xmlns="" xmlns:a14="http://schemas.microsoft.com/office/drawing/2010/main" w="9525">
+              <a14:hiddenLine xmlns:a14="http://schemas.microsoft.com/office/drawing/2010/main" xmlns="" w="9525">
                 <a:solidFill>
                   <a:srgbClr val="000000"/>
                 </a:solidFill>
@@ -1556,7 +1556,7 @@
               </a14:hiddenLine>
             </a:ext>
             <a:ext uri="{FAA26D3D-D897-4be2-8F04-BA451C77F1D7}">
-              <ma14:placeholderFlag xmlns="" xmlns:ma14="http://schemas.microsoft.com/office/mac/drawingml/2011/main" val="1"/>
+              <ma14:placeholderFlag xmlns:ma14="http://schemas.microsoft.com/office/mac/drawingml/2011/main" xmlns="" val="1"/>
             </a:ext>
           </a:extLst>
         </p:spPr>
@@ -1648,7 +1648,7 @@
             </a:r>
             <a:fld id="{C36B4625-443B-BA4A-9C4D-9655F853EDD2}" type="datetime4">
               <a:rPr lang="en-AU" smtClean="0"/>
-              <a:t>12 April 2021</a:t>
+              <a:t>13 April 2021</a:t>
             </a:fld>
             <a:endParaRPr lang="en-US" dirty="0"/>
           </a:p>
@@ -2317,14 +2317,14 @@
           <a:noFill/>
           <a:extLst>
             <a:ext uri="{909E8E84-426E-40dd-AFC4-6F175D3DCCD1}">
-              <a14:hiddenFill xmlns="" xmlns:a14="http://schemas.microsoft.com/office/drawing/2010/main">
+              <a14:hiddenFill xmlns:a14="http://schemas.microsoft.com/office/drawing/2010/main" xmlns="">
                 <a:solidFill>
                   <a:srgbClr val="FFFFFF"/>
                 </a:solidFill>
               </a14:hiddenFill>
             </a:ext>
             <a:ext uri="{91240B29-F687-4f45-9708-019B960494DF}">
-              <a14:hiddenLine xmlns="" xmlns:a14="http://schemas.microsoft.com/office/drawing/2010/main" w="9525">
+              <a14:hiddenLine xmlns:a14="http://schemas.microsoft.com/office/drawing/2010/main" xmlns="" w="9525">
                 <a:solidFill>
                   <a:srgbClr val="000000"/>
                 </a:solidFill>
@@ -2461,7 +2461,7 @@
                   <a:schemeClr val="bg1"/>
                 </a:solidFill>
               </a:rPr>
-              <a:t>12 April 2021</a:t>
+              <a:t>13 April 2021</a:t>
             </a:fld>
             <a:endParaRPr lang="en-US" sz="1200" dirty="0">
               <a:solidFill>
@@ -2485,14 +2485,14 @@
           <a:noFill/>
           <a:extLst>
             <a:ext uri="{909E8E84-426E-40dd-AFC4-6F175D3DCCD1}">
-              <a14:hiddenFill xmlns="" xmlns:a14="http://schemas.microsoft.com/office/drawing/2010/main">
+              <a14:hiddenFill xmlns:a14="http://schemas.microsoft.com/office/drawing/2010/main" xmlns="">
                 <a:solidFill>
                   <a:srgbClr val="FFFFFF"/>
                 </a:solidFill>
               </a14:hiddenFill>
             </a:ext>
             <a:ext uri="{91240B29-F687-4f45-9708-019B960494DF}">
-              <a14:hiddenLine xmlns="" xmlns:a14="http://schemas.microsoft.com/office/drawing/2010/main" w="9525">
+              <a14:hiddenLine xmlns:a14="http://schemas.microsoft.com/office/drawing/2010/main" xmlns="" w="9525">
                 <a:solidFill>
                   <a:srgbClr val="000000"/>
                 </a:solidFill>
@@ -2644,14 +2644,14 @@
           <a:noFill/>
           <a:extLst>
             <a:ext uri="{909E8E84-426E-40dd-AFC4-6F175D3DCCD1}">
-              <a14:hiddenFill xmlns="" xmlns:a14="http://schemas.microsoft.com/office/drawing/2010/main">
+              <a14:hiddenFill xmlns:a14="http://schemas.microsoft.com/office/drawing/2010/main" xmlns="">
                 <a:solidFill>
                   <a:srgbClr val="FFFFFF"/>
                 </a:solidFill>
               </a14:hiddenFill>
             </a:ext>
             <a:ext uri="{91240B29-F687-4f45-9708-019B960494DF}">
-              <a14:hiddenLine xmlns="" xmlns:a14="http://schemas.microsoft.com/office/drawing/2010/main" w="9525">
+              <a14:hiddenLine xmlns:a14="http://schemas.microsoft.com/office/drawing/2010/main" xmlns="" w="9525">
                 <a:solidFill>
                   <a:srgbClr val="000000"/>
                 </a:solidFill>
@@ -2801,7 +2801,7 @@
             <p:ph idx="1"/>
             <p:extLst>
               <p:ext uri="{D42A27DB-BD31-4B8C-83A1-F6EECF244321}">
-                <p14:modId xmlns:p14="http://schemas.microsoft.com/office/powerpoint/2010/main" val="4224019128"/>
+                <p14:modId xmlns:p14="http://schemas.microsoft.com/office/powerpoint/2010/main" val="3335054540"/>
               </p:ext>
             </p:extLst>
           </p:nvPr>
@@ -3070,8 +3070,13 @@
                       </a:r>
                       <a:r>
                         <a:rPr lang="en-US" sz="2000" b="0" baseline="0" dirty="0"/>
-                        <a:t> Problems T3, T4, T5</a:t>
+                        <a:t> </a:t>
                       </a:r>
+                      <a:r>
+                        <a:rPr lang="en-US" sz="2000" b="0" baseline="0"/>
+                        <a:t>Problems 2, 3, 4</a:t>
+                      </a:r>
+                      <a:endParaRPr lang="en-US" sz="2000" b="0" baseline="0" dirty="0"/>
                     </a:p>
                     <a:p>
                       <a:pPr>
@@ -3184,8 +3189,8 @@
         </p:nvSpPr>
         <p:spPr>
           <a:xfrm>
-            <a:off x="265113" y="-243408"/>
-            <a:ext cx="8623300" cy="920750"/>
+            <a:off x="265113" y="107951"/>
+            <a:ext cx="8623300" cy="440729"/>
           </a:xfrm>
         </p:spPr>
         <p:txBody>
@@ -3193,211 +3198,8 @@
           <a:lstStyle/>
           <a:p>
             <a:r>
-              <a:rPr lang="en-US" dirty="0"/>
-              <a:t>Group Work: problem 1 </a:t>
-            </a:r>
-          </a:p>
-        </p:txBody>
-      </p:sp>
-      <p:sp>
-        <p:nvSpPr>
-          <p:cNvPr id="3" name="Content Placeholder 2"/>
-          <p:cNvSpPr>
-            <a:spLocks noGrp="1"/>
-          </p:cNvSpPr>
-          <p:nvPr>
-            <p:ph idx="1"/>
-          </p:nvPr>
-        </p:nvSpPr>
-        <p:spPr>
-          <a:xfrm>
-            <a:off x="107505" y="483402"/>
-            <a:ext cx="6264696" cy="6041941"/>
-          </a:xfrm>
-        </p:spPr>
-        <p:txBody>
-          <a:bodyPr/>
-          <a:lstStyle/>
-          <a:p>
-            <a:pPr marL="0" indent="0">
-              <a:buNone/>
-            </a:pPr>
-            <a:r>
-              <a:rPr lang="en-US" sz="1800" b="1" i="1" dirty="0">
-                <a:solidFill>
-                  <a:srgbClr val="000090"/>
-                </a:solidFill>
-                <a:effectLst/>
-              </a:rPr>
-              <a:t>T1:</a:t>
-            </a:r>
-            <a:r>
-              <a:rPr lang="en-US" sz="1800" i="1" dirty="0">
-                <a:solidFill>
-                  <a:srgbClr val="000090"/>
-                </a:solidFill>
-                <a:effectLst/>
-              </a:rPr>
-              <a:t> Finding a topological order for the graph by running a DFS.</a:t>
-            </a:r>
-            <a:r>
-              <a:rPr lang="en-US" sz="1800" dirty="0">
-                <a:effectLst/>
-              </a:rPr>
-              <a:t> </a:t>
-            </a:r>
-          </a:p>
-          <a:p>
-            <a:pPr marL="0" indent="0">
-              <a:spcBef>
-                <a:spcPts val="600"/>
-              </a:spcBef>
-              <a:buNone/>
-            </a:pPr>
-            <a:r>
-              <a:rPr lang="en-US" sz="1800" dirty="0"/>
-              <a:t>  YOUR ANSWER:</a:t>
-            </a:r>
-          </a:p>
-          <a:p>
-            <a:pPr marL="0" indent="0">
-              <a:spcBef>
-                <a:spcPts val="600"/>
-              </a:spcBef>
-              <a:buNone/>
-            </a:pPr>
-            <a:r>
-              <a:rPr lang="en-US" sz="1800" dirty="0"/>
-              <a:t>note: it would be better first to write down the operations with and the content of stack like:</a:t>
-            </a:r>
-          </a:p>
-          <a:p>
-            <a:pPr marL="0" indent="0">
-              <a:spcBef>
-                <a:spcPts val="0"/>
-              </a:spcBef>
-              <a:buNone/>
-            </a:pPr>
-            <a:endParaRPr lang="en-US" sz="1600" dirty="0"/>
-          </a:p>
-          <a:p>
-            <a:pPr marL="0" indent="0">
-              <a:spcBef>
-                <a:spcPts val="0"/>
-              </a:spcBef>
-              <a:buNone/>
-            </a:pPr>
-            <a:endParaRPr lang="en-US" sz="1600" dirty="0"/>
-          </a:p>
-          <a:p>
-            <a:pPr marL="0" indent="0">
-              <a:spcBef>
-                <a:spcPts val="0"/>
-              </a:spcBef>
-              <a:buNone/>
-            </a:pPr>
-            <a:endParaRPr lang="en-US" sz="1600" dirty="0"/>
-          </a:p>
-          <a:p>
-            <a:pPr marL="0" indent="0">
-              <a:spcBef>
-                <a:spcPts val="0"/>
-              </a:spcBef>
-              <a:buNone/>
-            </a:pPr>
-            <a:endParaRPr lang="en-US" sz="1600" dirty="0"/>
-          </a:p>
-          <a:p>
-            <a:pPr marL="0" indent="0">
-              <a:spcBef>
-                <a:spcPts val="0"/>
-              </a:spcBef>
-              <a:buNone/>
-            </a:pPr>
-            <a:endParaRPr lang="en-US" sz="1600" dirty="0"/>
-          </a:p>
-          <a:p>
-            <a:pPr marL="0" indent="0">
-              <a:spcBef>
-                <a:spcPts val="0"/>
-              </a:spcBef>
-              <a:buNone/>
-            </a:pPr>
-            <a:endParaRPr lang="en-US" sz="1600" dirty="0"/>
-          </a:p>
-          <a:p>
-            <a:pPr marL="0" indent="0">
-              <a:spcBef>
-                <a:spcPts val="0"/>
-              </a:spcBef>
-              <a:buNone/>
-            </a:pPr>
-            <a:endParaRPr lang="en-US" sz="1600" dirty="0"/>
-          </a:p>
-          <a:p>
-            <a:pPr marL="0" indent="0">
-              <a:spcBef>
-                <a:spcPts val="0"/>
-              </a:spcBef>
-              <a:buNone/>
-            </a:pPr>
-            <a:endParaRPr lang="en-US" sz="1600" dirty="0"/>
-          </a:p>
-          <a:p>
-            <a:pPr marL="0" indent="0">
-              <a:spcBef>
-                <a:spcPts val="0"/>
-              </a:spcBef>
-              <a:buNone/>
-            </a:pPr>
-            <a:endParaRPr lang="en-US" sz="1600" dirty="0"/>
-          </a:p>
-          <a:p>
-            <a:pPr marL="0" indent="0">
-              <a:spcBef>
-                <a:spcPts val="0"/>
-              </a:spcBef>
-              <a:buNone/>
-            </a:pPr>
-            <a:endParaRPr lang="en-US" sz="1600" dirty="0"/>
-          </a:p>
-          <a:p>
-            <a:pPr marL="0" indent="0">
-              <a:spcBef>
-                <a:spcPts val="0"/>
-              </a:spcBef>
-              <a:buNone/>
-            </a:pPr>
-            <a:endParaRPr lang="en-US" sz="1600" dirty="0"/>
-          </a:p>
-          <a:p>
-            <a:pPr marL="0" indent="0">
-              <a:spcBef>
-                <a:spcPts val="0"/>
-              </a:spcBef>
-              <a:buNone/>
-            </a:pPr>
-            <a:endParaRPr lang="en-US" sz="1600" dirty="0"/>
-          </a:p>
-          <a:p>
-            <a:pPr marL="0" indent="0">
-              <a:spcBef>
-                <a:spcPts val="0"/>
-              </a:spcBef>
-              <a:buNone/>
-            </a:pPr>
-            <a:endParaRPr lang="en-US" sz="1600" dirty="0"/>
-          </a:p>
-          <a:p>
-            <a:pPr marL="0" indent="0">
-              <a:spcBef>
-                <a:spcPts val="0"/>
-              </a:spcBef>
-              <a:buNone/>
-            </a:pPr>
-            <a:r>
-              <a:rPr lang="en-US" sz="1600" dirty="0"/>
-              <a:t>(you can also just draw graph and write down push and pop order on the left and right of each node)</a:t>
+              <a:rPr lang="en-US" sz="2400" dirty="0"/>
+              <a:t>Problem 4: Binary Tree Sum </a:t>
             </a:r>
           </a:p>
         </p:txBody>
@@ -3451,9 +3253,10 @@
               <a:defRPr/>
             </a:pPr>
             <a:r>
-              <a:rPr lang="en-US" dirty="0"/>
+              <a:rPr lang="en-US"/>
               <a:t>COMP20007.Worshop</a:t>
             </a:r>
+            <a:endParaRPr lang="en-US" dirty="0"/>
           </a:p>
         </p:txBody>
       </p:sp>
@@ -3488,204 +3291,185 @@
       </p:sp>
       <p:pic>
         <p:nvPicPr>
-          <p:cNvPr id="7" name="Picture 6"/>
+          <p:cNvPr id="11" name="Content Placeholder 10"/>
           <p:cNvPicPr>
-            <a:picLocks noChangeAspect="1"/>
+            <a:picLocks noGrp="1" noChangeAspect="1"/>
           </p:cNvPicPr>
-          <p:nvPr/>
+          <p:nvPr>
+            <p:ph idx="1"/>
+          </p:nvPr>
         </p:nvPicPr>
-        <p:blipFill>
+        <p:blipFill rotWithShape="1">
           <a:blip r:embed="rId2"/>
-          <a:stretch>
-            <a:fillRect/>
-          </a:stretch>
+          <a:srcRect l="-11724" t="-58606" r="-1971" b="-1"/>
+          <a:stretch/>
         </p:blipFill>
         <p:spPr>
           <a:xfrm>
-            <a:off x="6763702" y="677342"/>
-            <a:ext cx="2268221" cy="2206361"/>
+            <a:off x="263430" y="1844824"/>
+            <a:ext cx="2412000" cy="3683188"/>
+          </a:xfrm>
+        </p:spPr>
+      </p:pic>
+      <p:sp>
+        <p:nvSpPr>
+          <p:cNvPr id="12" name="TextBox 11"/>
+          <p:cNvSpPr txBox="1"/>
+          <p:nvPr/>
+        </p:nvSpPr>
+        <p:spPr>
+          <a:xfrm>
+            <a:off x="34214" y="592150"/>
+            <a:ext cx="8708901" cy="1077218"/>
+          </a:xfrm>
+          <a:prstGeom prst="rect">
+            <a:avLst/>
+          </a:prstGeom>
+          <a:noFill/>
+        </p:spPr>
+        <p:txBody>
+          <a:bodyPr wrap="square" rtlCol="0">
+            <a:spAutoFit/>
+          </a:bodyPr>
+          <a:lstStyle/>
+          <a:p>
+            <a:r>
+              <a:rPr lang="en-US" sz="2000" dirty="0"/>
+              <a:t>Write a recursive algorithm to calculate the sum of a binary tree where each node contains a number. </a:t>
+            </a:r>
+          </a:p>
+          <a:p>
+            <a:endParaRPr lang="en-US" dirty="0"/>
+          </a:p>
+        </p:txBody>
+      </p:sp>
+      <p:sp>
+        <p:nvSpPr>
+          <p:cNvPr id="3" name="Rectangle 2"/>
+          <p:cNvSpPr/>
+          <p:nvPr/>
+        </p:nvSpPr>
+        <p:spPr>
+          <a:xfrm>
+            <a:off x="2847975" y="1655255"/>
+            <a:ext cx="5895140" cy="3170099"/>
           </a:xfrm>
           <a:prstGeom prst="rect">
             <a:avLst/>
           </a:prstGeom>
         </p:spPr>
-      </p:pic>
-      <p:graphicFrame>
-        <p:nvGraphicFramePr>
-          <p:cNvPr id="8" name="Table 8">
-            <a:extLst>
-              <a:ext uri="{FF2B5EF4-FFF2-40B4-BE49-F238E27FC236}">
-                <a16:creationId xmlns:a16="http://schemas.microsoft.com/office/drawing/2014/main" id="{BBB321E9-3D21-CC48-80C1-13E79EBD8191}"/>
-              </a:ext>
-            </a:extLst>
-          </p:cNvPr>
-          <p:cNvGraphicFramePr>
-            <a:graphicFrameLocks noGrp="1"/>
-          </p:cNvGraphicFramePr>
-          <p:nvPr>
-            <p:extLst>
-              <p:ext uri="{D42A27DB-BD31-4B8C-83A1-F6EECF244321}">
-                <p14:modId xmlns:p14="http://schemas.microsoft.com/office/powerpoint/2010/main" val="2813689100"/>
-              </p:ext>
-            </p:extLst>
-          </p:nvPr>
-        </p:nvGraphicFramePr>
-        <p:xfrm>
-          <a:off x="293688" y="1780522"/>
-          <a:ext cx="6096000" cy="1193800"/>
-        </p:xfrm>
-        <a:graphic>
-          <a:graphicData uri="http://schemas.openxmlformats.org/drawingml/2006/table">
-            <a:tbl>
-              <a:tblPr firstRow="1" bandRow="1">
-                <a:tableStyleId>{5C22544A-7EE6-4342-B048-85BDC9FD1C3A}</a:tableStyleId>
-              </a:tblPr>
-              <a:tblGrid>
-                <a:gridCol w="3048000">
-                  <a:extLst>
-                    <a:ext uri="{9D8B030D-6E8A-4147-A177-3AD203B41FA5}">
-                      <a16:colId xmlns:a16="http://schemas.microsoft.com/office/drawing/2014/main" val="1638903081"/>
-                    </a:ext>
-                  </a:extLst>
-                </a:gridCol>
-                <a:gridCol w="3048000">
-                  <a:extLst>
-                    <a:ext uri="{9D8B030D-6E8A-4147-A177-3AD203B41FA5}">
-                      <a16:colId xmlns:a16="http://schemas.microsoft.com/office/drawing/2014/main" val="1591038560"/>
-                    </a:ext>
-                  </a:extLst>
-                </a:gridCol>
-              </a:tblGrid>
-              <a:tr h="370840">
-                <a:tc>
-                  <a:txBody>
-                    <a:bodyPr/>
-                    <a:lstStyle/>
-                    <a:p>
-                      <a:pPr marL="0" marR="0" lvl="0" indent="0" algn="l" defTabSz="914400" rtl="0" eaLnBrk="1" fontAlgn="auto" latinLnBrk="0" hangingPunct="1">
-                        <a:lnSpc>
-                          <a:spcPct val="100000"/>
-                        </a:lnSpc>
-                        <a:spcBef>
-                          <a:spcPts val="0"/>
-                        </a:spcBef>
-                        <a:spcAft>
-                          <a:spcPts val="0"/>
-                        </a:spcAft>
-                        <a:buClrTx/>
-                        <a:buSzTx/>
-                        <a:buFontTx/>
-                        <a:buNone/>
-                        <a:tabLst/>
-                        <a:defRPr/>
-                      </a:pPr>
-                      <a:r>
-                        <a:rPr lang="en-US" sz="1800" dirty="0"/>
-                        <a:t>operation     content</a:t>
-                      </a:r>
-                    </a:p>
-                  </a:txBody>
-                  <a:tcPr/>
-                </a:tc>
-                <a:tc>
-                  <a:txBody>
-                    <a:bodyPr/>
-                    <a:lstStyle/>
-                    <a:p>
-                      <a:pPr marL="0" marR="0" lvl="0" indent="0" algn="l" defTabSz="914400" rtl="0" eaLnBrk="1" fontAlgn="auto" latinLnBrk="0" hangingPunct="1">
-                        <a:lnSpc>
-                          <a:spcPct val="100000"/>
-                        </a:lnSpc>
-                        <a:spcBef>
-                          <a:spcPts val="0"/>
-                        </a:spcBef>
-                        <a:spcAft>
-                          <a:spcPts val="0"/>
-                        </a:spcAft>
-                        <a:buClrTx/>
-                        <a:buSzTx/>
-                        <a:buFontTx/>
-                        <a:buNone/>
-                        <a:tabLst/>
-                        <a:defRPr/>
-                      </a:pPr>
-                      <a:r>
-                        <a:rPr lang="en-US" sz="1800" dirty="0"/>
-                        <a:t>operation     content</a:t>
-                      </a:r>
-                    </a:p>
-                  </a:txBody>
-                  <a:tcPr/>
-                </a:tc>
-                <a:extLst>
-                  <a:ext uri="{0D108BD9-81ED-4DB2-BD59-A6C34878D82A}">
-                    <a16:rowId xmlns:a16="http://schemas.microsoft.com/office/drawing/2014/main" val="392197143"/>
-                  </a:ext>
-                </a:extLst>
-              </a:tr>
-              <a:tr h="370840">
-                <a:tc>
-                  <a:txBody>
-                    <a:bodyPr/>
-                    <a:lstStyle/>
-                    <a:p>
-                      <a:pPr marL="0" indent="0">
-                        <a:spcBef>
-                          <a:spcPts val="0"/>
-                        </a:spcBef>
-                        <a:buNone/>
-                      </a:pPr>
-                      <a:r>
-                        <a:rPr lang="en-US" sz="1600" dirty="0" err="1"/>
-                        <a:t>init</a:t>
-                      </a:r>
-                      <a:r>
-                        <a:rPr lang="en-US" sz="1600" dirty="0"/>
-                        <a:t> stack      $</a:t>
-                      </a:r>
-                    </a:p>
-                    <a:p>
-                      <a:pPr marL="0" indent="0">
-                        <a:spcBef>
-                          <a:spcPts val="0"/>
-                        </a:spcBef>
-                        <a:buNone/>
-                      </a:pPr>
-                      <a:r>
-                        <a:rPr lang="en-US" sz="1600" dirty="0"/>
-                        <a:t>push A         $A</a:t>
-                      </a:r>
-                    </a:p>
-                    <a:p>
-                      <a:endParaRPr lang="en-US" sz="1600" dirty="0"/>
-                    </a:p>
-                  </a:txBody>
-                  <a:tcPr/>
-                </a:tc>
-                <a:tc>
-                  <a:txBody>
-                    <a:bodyPr/>
-                    <a:lstStyle/>
-                    <a:p>
-                      <a:endParaRPr lang="en-US" sz="1600" dirty="0"/>
-                    </a:p>
-                  </a:txBody>
-                  <a:tcPr/>
-                </a:tc>
-                <a:extLst>
-                  <a:ext uri="{0D108BD9-81ED-4DB2-BD59-A6C34878D82A}">
-                    <a16:rowId xmlns:a16="http://schemas.microsoft.com/office/drawing/2014/main" val="810402082"/>
-                  </a:ext>
-                </a:extLst>
-              </a:tr>
-            </a:tbl>
-          </a:graphicData>
-        </a:graphic>
-      </p:graphicFrame>
+        <p:txBody>
+          <a:bodyPr wrap="square">
+            <a:spAutoFit/>
+          </a:bodyPr>
+          <a:lstStyle/>
+          <a:p>
+            <a:r>
+              <a:rPr lang="en-US" sz="2000" dirty="0"/>
+              <a:t>YOUR ANSWER: The </a:t>
+            </a:r>
+            <a:r>
+              <a:rPr lang="en-US" sz="2000" dirty="0" err="1"/>
+              <a:t>pseudocode</a:t>
+            </a:r>
+            <a:r>
+              <a:rPr lang="en-US" sz="2000" dirty="0"/>
+              <a:t>:</a:t>
+            </a:r>
+          </a:p>
+          <a:p>
+            <a:r>
+              <a:rPr lang="en-US" sz="2000" dirty="0">
+                <a:solidFill>
+                  <a:srgbClr val="000090"/>
+                </a:solidFill>
+                <a:latin typeface="Courier"/>
+                <a:cs typeface="Courier"/>
+              </a:rPr>
+              <a:t>function Sum( T )</a:t>
+            </a:r>
+          </a:p>
+          <a:p>
+            <a:r>
+              <a:rPr lang="en-US" sz="2000" dirty="0">
+                <a:solidFill>
+                  <a:srgbClr val="000090"/>
+                </a:solidFill>
+                <a:latin typeface="Courier"/>
+                <a:cs typeface="Courier"/>
+              </a:rPr>
+              <a:t>   </a:t>
+            </a:r>
+          </a:p>
+          <a:p>
+            <a:endParaRPr lang="en-US" sz="2000" dirty="0">
+              <a:solidFill>
+                <a:srgbClr val="000090"/>
+              </a:solidFill>
+              <a:latin typeface="Courier"/>
+              <a:cs typeface="Courier"/>
+            </a:endParaRPr>
+          </a:p>
+          <a:p>
+            <a:endParaRPr lang="en-US" sz="2000" dirty="0">
+              <a:solidFill>
+                <a:srgbClr val="000090"/>
+              </a:solidFill>
+              <a:latin typeface="Courier"/>
+              <a:cs typeface="Courier"/>
+            </a:endParaRPr>
+          </a:p>
+          <a:p>
+            <a:endParaRPr lang="en-US" sz="2000" dirty="0">
+              <a:solidFill>
+                <a:srgbClr val="000090"/>
+              </a:solidFill>
+              <a:latin typeface="Courier"/>
+              <a:cs typeface="Courier"/>
+            </a:endParaRPr>
+          </a:p>
+          <a:p>
+            <a:endParaRPr lang="en-US" sz="2000" dirty="0">
+              <a:solidFill>
+                <a:srgbClr val="000090"/>
+              </a:solidFill>
+              <a:latin typeface="Courier"/>
+              <a:cs typeface="Courier"/>
+            </a:endParaRPr>
+          </a:p>
+          <a:p>
+            <a:endParaRPr lang="en-US" sz="2000" dirty="0">
+              <a:solidFill>
+                <a:srgbClr val="000090"/>
+              </a:solidFill>
+              <a:latin typeface="Courier"/>
+              <a:cs typeface="Courier"/>
+            </a:endParaRPr>
+          </a:p>
+          <a:p>
+            <a:endParaRPr lang="en-US" sz="2000" dirty="0">
+              <a:solidFill>
+                <a:srgbClr val="000090"/>
+              </a:solidFill>
+              <a:latin typeface="Courier"/>
+              <a:cs typeface="Courier"/>
+            </a:endParaRPr>
+          </a:p>
+          <a:p>
+            <a:endParaRPr lang="en-US" sz="2000" dirty="0">
+              <a:solidFill>
+                <a:srgbClr val="000090"/>
+              </a:solidFill>
+              <a:latin typeface="Courier"/>
+              <a:cs typeface="Courier"/>
+            </a:endParaRPr>
+          </a:p>
+        </p:txBody>
+      </p:sp>
     </p:spTree>
     <p:extLst>
       <p:ext uri="{BB962C8B-B14F-4D97-AF65-F5344CB8AC3E}">
-        <p14:creationId xmlns:p14="http://schemas.microsoft.com/office/powerpoint/2010/main" val="1043767883"/>
+        <p14:creationId xmlns:p14="http://schemas.microsoft.com/office/powerpoint/2010/main" val="11444405"/>
       </p:ext>
     </p:extLst>
   </p:cSld>
@@ -3729,11 +3513,35 @@
           <a:p>
             <a:r>
               <a:rPr lang="en-US" dirty="0"/>
-              <a:t>T3: conventional traversal </a:t>
-            </a:r>
-          </a:p>
-        </p:txBody>
-      </p:sp>
+              <a:t>Binary (Search) Tree</a:t>
+            </a:r>
+          </a:p>
+        </p:txBody>
+      </p:sp>
+      <p:pic>
+        <p:nvPicPr>
+          <p:cNvPr id="7" name="Content Placeholder 6"/>
+          <p:cNvPicPr>
+            <a:picLocks noGrp="1" noChangeAspect="1"/>
+          </p:cNvPicPr>
+          <p:nvPr>
+            <p:ph idx="1"/>
+          </p:nvPr>
+        </p:nvPicPr>
+        <p:blipFill>
+          <a:blip r:embed="rId2"/>
+          <a:srcRect l="-24846" r="-24846"/>
+          <a:stretch>
+            <a:fillRect/>
+          </a:stretch>
+        </p:blipFill>
+        <p:spPr>
+          <a:xfrm>
+            <a:off x="4605266" y="1485152"/>
+            <a:ext cx="5113431" cy="2846652"/>
+          </a:xfrm>
+        </p:spPr>
+      </p:pic>
       <p:sp>
         <p:nvSpPr>
           <p:cNvPr id="4" name="Date Placeholder 3"/>
@@ -3758,7 +3566,7 @@
             </a:r>
             <a:fld id="{A9DEA08E-4CB3-E742-9AC2-43959A293033}" type="datetime4">
               <a:rPr lang="en-AU" smtClean="0"/>
-              <a:t>12 April 2021</a:t>
+              <a:t>13 April 2021</a:t>
             </a:fld>
             <a:endParaRPr lang="en-US" dirty="0"/>
           </a:p>
@@ -3819,38 +3627,16 @@
           </a:p>
         </p:txBody>
       </p:sp>
-      <p:pic>
-        <p:nvPicPr>
-          <p:cNvPr id="11" name="Content Placeholder 10"/>
-          <p:cNvPicPr>
-            <a:picLocks noGrp="1" noChangeAspect="1"/>
-          </p:cNvPicPr>
-          <p:nvPr>
-            <p:ph idx="1"/>
-          </p:nvPr>
-        </p:nvPicPr>
-        <p:blipFill rotWithShape="1">
-          <a:blip r:embed="rId2"/>
-          <a:srcRect l="-11728" t="-58606" r="-96932" b="-1"/>
-          <a:stretch/>
-        </p:blipFill>
+      <p:sp>
+        <p:nvSpPr>
+          <p:cNvPr id="8" name="TextBox 7"/>
+          <p:cNvSpPr txBox="1"/>
+          <p:nvPr/>
+        </p:nvSpPr>
         <p:spPr>
           <a:xfrm>
-            <a:off x="-617011" y="620688"/>
-            <a:ext cx="9390063" cy="5227638"/>
-          </a:xfrm>
-        </p:spPr>
-      </p:pic>
-      <p:sp>
-        <p:nvSpPr>
-          <p:cNvPr id="12" name="TextBox 11"/>
-          <p:cNvSpPr txBox="1"/>
-          <p:nvPr/>
-        </p:nvSpPr>
-        <p:spPr>
-          <a:xfrm>
-            <a:off x="179512" y="1311429"/>
-            <a:ext cx="8708901" cy="1200328"/>
+            <a:off x="539552" y="1484784"/>
+            <a:ext cx="4833374" cy="3662541"/>
           </a:xfrm>
           <a:prstGeom prst="rect">
             <a:avLst/>
@@ -3858,121 +3644,111 @@
           <a:noFill/>
         </p:spPr>
         <p:txBody>
-          <a:bodyPr wrap="square" rtlCol="0">
+          <a:bodyPr wrap="none" rtlCol="0">
             <a:spAutoFit/>
           </a:bodyPr>
           <a:lstStyle/>
           <a:p>
             <a:r>
+              <a:rPr lang="en-US" sz="2000" dirty="0"/>
+              <a:t>How to:</a:t>
+            </a:r>
+          </a:p>
+          <a:p>
+            <a:pPr marL="457200" indent="-457200">
+              <a:buFont typeface="+mj-lt"/>
+              <a:buAutoNum type="arabicPeriod"/>
+            </a:pPr>
+            <a:r>
+              <a:rPr lang="en-US" sz="2000" dirty="0"/>
+              <a:t>print the number in increasing order?</a:t>
+            </a:r>
+          </a:p>
+          <a:p>
+            <a:pPr marL="457200" indent="-457200">
+              <a:buFont typeface="+mj-lt"/>
+              <a:buAutoNum type="arabicPeriod"/>
+            </a:pPr>
+            <a:r>
+              <a:rPr lang="en-US" sz="2000" dirty="0"/>
+              <a:t>print in decreasing order?</a:t>
+            </a:r>
+          </a:p>
+          <a:p>
+            <a:pPr marL="457200" indent="-457200">
+              <a:buFont typeface="+mj-lt"/>
+              <a:buAutoNum type="arabicPeriod"/>
+            </a:pPr>
+            <a:r>
+              <a:rPr lang="en-US" sz="2000" dirty="0"/>
+              <a:t>copy the tree?</a:t>
+            </a:r>
+          </a:p>
+          <a:p>
+            <a:pPr marL="457200" indent="-457200">
+              <a:buFont typeface="+mj-lt"/>
+              <a:buAutoNum type="arabicPeriod"/>
+            </a:pPr>
+            <a:r>
+              <a:rPr lang="en-US" sz="2000" dirty="0"/>
+              <a:t>free the tree?</a:t>
+            </a:r>
+          </a:p>
+          <a:p>
+            <a:endParaRPr lang="en-US" dirty="0"/>
+          </a:p>
+          <a:p>
+            <a:r>
               <a:rPr lang="en-US" dirty="0"/>
-              <a:t>Write the </a:t>
-            </a:r>
-            <a:r>
-              <a:rPr lang="en-US" i="1" dirty="0" err="1"/>
-              <a:t>inorder</a:t>
-            </a:r>
-            <a:r>
-              <a:rPr lang="en-US" dirty="0"/>
-              <a:t>, </a:t>
-            </a:r>
-            <a:r>
-              <a:rPr lang="en-US" i="1" dirty="0"/>
-              <a:t>preorder</a:t>
-            </a:r>
-            <a:r>
-              <a:rPr lang="en-US" dirty="0"/>
-              <a:t> and </a:t>
-            </a:r>
-            <a:r>
-              <a:rPr lang="en-US" i="1" dirty="0" err="1"/>
-              <a:t>postorder</a:t>
-            </a:r>
-            <a:r>
-              <a:rPr lang="en-US" dirty="0"/>
-              <a:t> traversals of </a:t>
-            </a:r>
-          </a:p>
-          <a:p>
-            <a:r>
-              <a:rPr lang="en-US" dirty="0"/>
-              <a:t>the following binary tree: </a:t>
-            </a:r>
-          </a:p>
-          <a:p>
-            <a:endParaRPr lang="en-US" dirty="0"/>
-          </a:p>
-        </p:txBody>
-      </p:sp>
-      <p:sp>
-        <p:nvSpPr>
-          <p:cNvPr id="3" name="TextBox 2"/>
-          <p:cNvSpPr txBox="1"/>
-          <p:nvPr/>
-        </p:nvSpPr>
-        <p:spPr>
-          <a:xfrm>
-            <a:off x="4644008" y="2382835"/>
-            <a:ext cx="3528392" cy="2862322"/>
-          </a:xfrm>
-          <a:prstGeom prst="rect">
-            <a:avLst/>
-          </a:prstGeom>
-          <a:noFill/>
-        </p:spPr>
-        <p:txBody>
-          <a:bodyPr wrap="square" rtlCol="0">
-            <a:spAutoFit/>
-          </a:bodyPr>
-          <a:lstStyle/>
-          <a:p>
-            <a:r>
-              <a:rPr lang="en-US" sz="2000" b="1" dirty="0">
-                <a:solidFill>
-                  <a:srgbClr val="000090"/>
-                </a:solidFill>
-              </a:rPr>
-              <a:t>YOUR ANSWER:</a:t>
-            </a:r>
-          </a:p>
-          <a:p>
+              <a:t>Your notes:</a:t>
+            </a:r>
+          </a:p>
+          <a:p>
+            <a:pPr marL="457200" indent="-457200">
+              <a:buFont typeface="+mj-lt"/>
+              <a:buAutoNum type="arabicPeriod"/>
+            </a:pPr>
             <a:r>
               <a:rPr lang="en-US" sz="2000" dirty="0"/>
-              <a:t>In-order:</a:t>
-            </a:r>
-          </a:p>
-          <a:p>
-            <a:endParaRPr lang="en-US" sz="2000" dirty="0"/>
-          </a:p>
-          <a:p>
-            <a:endParaRPr lang="en-US" sz="2000" dirty="0"/>
-          </a:p>
-          <a:p>
+              <a:t> </a:t>
+            </a:r>
+          </a:p>
+          <a:p>
+            <a:pPr marL="457200" indent="-457200">
+              <a:buFont typeface="+mj-lt"/>
+              <a:buAutoNum type="arabicPeriod"/>
+            </a:pPr>
             <a:r>
               <a:rPr lang="en-US" sz="2000" dirty="0"/>
-              <a:t>Pre-order:</a:t>
-            </a:r>
-          </a:p>
-          <a:p>
-            <a:endParaRPr lang="en-US" sz="2000" dirty="0"/>
-          </a:p>
-          <a:p>
-            <a:endParaRPr lang="en-US" sz="2000" dirty="0"/>
-          </a:p>
-          <a:p>
+              <a:t> </a:t>
+            </a:r>
+          </a:p>
+          <a:p>
+            <a:pPr marL="457200" indent="-457200">
+              <a:buFont typeface="+mj-lt"/>
+              <a:buAutoNum type="arabicPeriod"/>
+            </a:pPr>
             <a:r>
               <a:rPr lang="en-US" sz="2000" dirty="0"/>
-              <a:t>Post-order:</a:t>
-            </a:r>
-          </a:p>
-          <a:p>
-            <a:endParaRPr lang="en-US" sz="2000" dirty="0"/>
+              <a:t> </a:t>
+            </a:r>
+          </a:p>
+          <a:p>
+            <a:pPr marL="457200" indent="-457200">
+              <a:buFont typeface="+mj-lt"/>
+              <a:buAutoNum type="arabicPeriod"/>
+            </a:pPr>
+            <a:r>
+              <a:rPr lang="en-US" sz="2000" dirty="0"/>
+              <a:t> </a:t>
+            </a:r>
           </a:p>
         </p:txBody>
       </p:sp>
     </p:spTree>
     <p:extLst>
       <p:ext uri="{BB962C8B-B14F-4D97-AF65-F5344CB8AC3E}">
-        <p14:creationId xmlns:p14="http://schemas.microsoft.com/office/powerpoint/2010/main" val="3945068549"/>
+        <p14:creationId xmlns:p14="http://schemas.microsoft.com/office/powerpoint/2010/main" val="352624918"/>
       </p:ext>
     </p:extLst>
   </p:cSld>
@@ -4016,7 +3792,7 @@
           <a:p>
             <a:r>
               <a:rPr lang="en-US" dirty="0"/>
-              <a:t>T4:  level-order traversal</a:t>
+              <a:t>Problem 2: conventional traversal </a:t>
             </a:r>
           </a:p>
         </p:txBody>
@@ -4045,7 +3821,7 @@
             </a:r>
             <a:fld id="{A9DEA08E-4CB3-E742-9AC2-43959A293033}" type="datetime4">
               <a:rPr lang="en-AU" smtClean="0"/>
-              <a:t>12 April 2021</a:t>
+              <a:t>13 April 2021</a:t>
             </a:fld>
             <a:endParaRPr lang="en-US" dirty="0"/>
           </a:p>
@@ -4123,7 +3899,7 @@
         </p:blipFill>
         <p:spPr>
           <a:xfrm>
-            <a:off x="-612576" y="1257980"/>
+            <a:off x="-617011" y="620688"/>
             <a:ext cx="9390063" cy="5227638"/>
           </a:xfrm>
         </p:spPr>
@@ -4137,7 +3913,7 @@
         <p:spPr>
           <a:xfrm>
             <a:off x="179512" y="1311429"/>
-            <a:ext cx="8708901" cy="1569660"/>
+            <a:ext cx="8708901" cy="1200328"/>
           </a:xfrm>
           <a:prstGeom prst="rect">
             <a:avLst/>
@@ -4152,52 +3928,62 @@
           <a:p>
             <a:r>
               <a:rPr lang="en-US" dirty="0"/>
-              <a:t>Level-order: visit level-by-level, left-to-right, starting from the root (which is in 0-th level). </a:t>
-            </a:r>
-          </a:p>
-          <a:p>
-            <a:pPr marL="514350" indent="-514350">
-              <a:buFont typeface="+mj-lt"/>
-              <a:buAutoNum type="alphaLcParenR"/>
-            </a:pPr>
+              <a:t>Write the </a:t>
+            </a:r>
+            <a:r>
+              <a:rPr lang="en-US" i="1" dirty="0" err="1"/>
+              <a:t>inorder</a:t>
+            </a:r>
             <a:r>
               <a:rPr lang="en-US" dirty="0"/>
-              <a:t>For the tree below, what’s the visited order?</a:t>
-            </a:r>
-          </a:p>
-          <a:p>
-            <a:pPr marL="514350" indent="-514350">
-              <a:buFont typeface="+mj-lt"/>
-              <a:buAutoNum type="alphaLcParenR"/>
-            </a:pPr>
-            <a:r>
-              <a:rPr lang="en-US" dirty="0">
-                <a:solidFill>
-                  <a:srgbClr val="A6A6A6"/>
-                </a:solidFill>
-              </a:rPr>
-              <a:t>Write the level-order pseudo-code.</a:t>
-            </a:r>
-          </a:p>
-        </p:txBody>
-      </p:sp>
-      <p:sp>
-        <p:nvSpPr>
-          <p:cNvPr id="3" name="Rectangle 2"/>
-          <p:cNvSpPr/>
+              <a:t>, </a:t>
+            </a:r>
+            <a:r>
+              <a:rPr lang="en-US" i="1" dirty="0"/>
+              <a:t>preorder</a:t>
+            </a:r>
+            <a:r>
+              <a:rPr lang="en-US" dirty="0"/>
+              <a:t> and </a:t>
+            </a:r>
+            <a:r>
+              <a:rPr lang="en-US" i="1" dirty="0" err="1"/>
+              <a:t>postorder</a:t>
+            </a:r>
+            <a:r>
+              <a:rPr lang="en-US" dirty="0"/>
+              <a:t> traversals of </a:t>
+            </a:r>
+          </a:p>
+          <a:p>
+            <a:r>
+              <a:rPr lang="en-US" dirty="0"/>
+              <a:t>the following binary tree: </a:t>
+            </a:r>
+          </a:p>
+          <a:p>
+            <a:endParaRPr lang="en-US" dirty="0"/>
+          </a:p>
+        </p:txBody>
+      </p:sp>
+      <p:sp>
+        <p:nvSpPr>
+          <p:cNvPr id="3" name="TextBox 2"/>
+          <p:cNvSpPr txBox="1"/>
           <p:nvPr/>
         </p:nvSpPr>
         <p:spPr>
           <a:xfrm>
-            <a:off x="4572000" y="3284984"/>
-            <a:ext cx="4572000" cy="1323439"/>
+            <a:off x="4644008" y="2382835"/>
+            <a:ext cx="3528392" cy="2862322"/>
           </a:xfrm>
           <a:prstGeom prst="rect">
             <a:avLst/>
           </a:prstGeom>
+          <a:noFill/>
         </p:spPr>
         <p:txBody>
-          <a:bodyPr>
+          <a:bodyPr wrap="square" rtlCol="0">
             <a:spAutoFit/>
           </a:bodyPr>
           <a:lstStyle/>
@@ -4214,11 +4000,32 @@
           <a:p>
             <a:r>
               <a:rPr lang="en-US" sz="2000" dirty="0"/>
-              <a:t>Level-order:</a:t>
+              <a:t>In-order:</a:t>
             </a:r>
           </a:p>
           <a:p>
             <a:endParaRPr lang="en-US" sz="2000" dirty="0"/>
+          </a:p>
+          <a:p>
+            <a:endParaRPr lang="en-US" sz="2000" dirty="0"/>
+          </a:p>
+          <a:p>
+            <a:r>
+              <a:rPr lang="en-US" sz="2000" dirty="0"/>
+              <a:t>Pre-order:</a:t>
+            </a:r>
+          </a:p>
+          <a:p>
+            <a:endParaRPr lang="en-US" sz="2000" dirty="0"/>
+          </a:p>
+          <a:p>
+            <a:endParaRPr lang="en-US" sz="2000" dirty="0"/>
+          </a:p>
+          <a:p>
+            <a:r>
+              <a:rPr lang="en-US" sz="2000" dirty="0"/>
+              <a:t>Post-order:</a:t>
+            </a:r>
           </a:p>
           <a:p>
             <a:endParaRPr lang="en-US" sz="2000" dirty="0"/>
@@ -4228,7 +4035,7 @@
     </p:spTree>
     <p:extLst>
       <p:ext uri="{BB962C8B-B14F-4D97-AF65-F5344CB8AC3E}">
-        <p14:creationId xmlns:p14="http://schemas.microsoft.com/office/powerpoint/2010/main" val="1542523049"/>
+        <p14:creationId xmlns:p14="http://schemas.microsoft.com/office/powerpoint/2010/main" val="3945068549"/>
       </p:ext>
     </p:extLst>
   </p:cSld>
@@ -4265,19 +4072,14 @@
             <p:ph type="title"/>
           </p:nvPr>
         </p:nvSpPr>
-        <p:spPr>
-          <a:xfrm>
-            <a:off x="253184" y="-243408"/>
-            <a:ext cx="8623300" cy="920750"/>
-          </a:xfrm>
-        </p:spPr>
+        <p:spPr/>
         <p:txBody>
           <a:bodyPr/>
           <a:lstStyle/>
           <a:p>
             <a:r>
-              <a:rPr lang="en-US" sz="2800" dirty="0"/>
-              <a:t>T4:  level-order traversal</a:t>
+              <a:rPr lang="en-US" dirty="0"/>
+              <a:t>Problem 3:  level-order traversal</a:t>
             </a:r>
           </a:p>
         </p:txBody>
@@ -4306,7 +4108,7 @@
             </a:r>
             <a:fld id="{A9DEA08E-4CB3-E742-9AC2-43959A293033}" type="datetime4">
               <a:rPr lang="en-AU" smtClean="0"/>
-              <a:t>12 April 2021</a:t>
+              <a:t>13 April 2021</a:t>
             </a:fld>
             <a:endParaRPr lang="en-US" dirty="0"/>
           </a:p>
@@ -4367,6 +4169,28 @@
           </a:p>
         </p:txBody>
       </p:sp>
+      <p:pic>
+        <p:nvPicPr>
+          <p:cNvPr id="11" name="Content Placeholder 10"/>
+          <p:cNvPicPr>
+            <a:picLocks noGrp="1" noChangeAspect="1"/>
+          </p:cNvPicPr>
+          <p:nvPr>
+            <p:ph idx="1"/>
+          </p:nvPr>
+        </p:nvPicPr>
+        <p:blipFill rotWithShape="1">
+          <a:blip r:embed="rId2"/>
+          <a:srcRect l="-11728" t="-58606" r="-96932" b="-1"/>
+          <a:stretch/>
+        </p:blipFill>
+        <p:spPr>
+          <a:xfrm>
+            <a:off x="-612576" y="1257980"/>
+            <a:ext cx="9390063" cy="5227638"/>
+          </a:xfrm>
+        </p:spPr>
+      </p:pic>
       <p:sp>
         <p:nvSpPr>
           <p:cNvPr id="12" name="TextBox 11"/>
@@ -4375,8 +4199,8 @@
         </p:nvSpPr>
         <p:spPr>
           <a:xfrm>
-            <a:off x="179512" y="733471"/>
-            <a:ext cx="8708901" cy="1323439"/>
+            <a:off x="179512" y="1311429"/>
+            <a:ext cx="8708901" cy="1569660"/>
           </a:xfrm>
           <a:prstGeom prst="rect">
             <a:avLst/>
@@ -4390,7 +4214,7 @@
           <a:lstStyle/>
           <a:p>
             <a:r>
-              <a:rPr lang="en-US" sz="2000" dirty="0"/>
+              <a:rPr lang="en-US" dirty="0"/>
               <a:t>Level-order: visit level-by-level, left-to-right, starting from the root (which is in 0-th level). </a:t>
             </a:r>
           </a:p>
@@ -4400,13 +4224,7 @@
               <a:buAutoNum type="alphaLcParenR"/>
             </a:pPr>
             <a:r>
-              <a:rPr lang="en-US" sz="2000" dirty="0">
-                <a:solidFill>
-                  <a:schemeClr val="bg1">
-                    <a:lumMod val="65000"/>
-                  </a:schemeClr>
-                </a:solidFill>
-              </a:rPr>
+              <a:rPr lang="en-US" dirty="0"/>
               <a:t>For the tree below, what’s the visited order?</a:t>
             </a:r>
           </a:p>
@@ -4416,7 +4234,11 @@
               <a:buAutoNum type="alphaLcParenR"/>
             </a:pPr>
             <a:r>
-              <a:rPr lang="en-US" sz="2000" dirty="0"/>
+              <a:rPr lang="en-US" dirty="0">
+                <a:solidFill>
+                  <a:srgbClr val="A6A6A6"/>
+                </a:solidFill>
+              </a:rPr>
               <a:t>Write the level-order pseudo-code.</a:t>
             </a:r>
           </a:p>
@@ -4424,149 +4246,52 @@
       </p:sp>
       <p:sp>
         <p:nvSpPr>
-          <p:cNvPr id="3" name="TextBox 2"/>
-          <p:cNvSpPr txBox="1"/>
+          <p:cNvPr id="3" name="Rectangle 2"/>
+          <p:cNvSpPr/>
           <p:nvPr/>
         </p:nvSpPr>
         <p:spPr>
           <a:xfrm>
-            <a:off x="253184" y="2420888"/>
-            <a:ext cx="8423272" cy="2862322"/>
+            <a:off x="4572000" y="3284984"/>
+            <a:ext cx="4572000" cy="1323439"/>
           </a:xfrm>
           <a:prstGeom prst="rect">
             <a:avLst/>
           </a:prstGeom>
-          <a:noFill/>
         </p:spPr>
         <p:txBody>
-          <a:bodyPr wrap="square" rtlCol="0">
+          <a:bodyPr>
             <a:spAutoFit/>
           </a:bodyPr>
           <a:lstStyle/>
           <a:p>
             <a:r>
-              <a:rPr lang="en-US" sz="2000" dirty="0"/>
-              <a:t>YOUR ANSWER: The </a:t>
-            </a:r>
-            <a:r>
-              <a:rPr lang="en-US" sz="2000" dirty="0" err="1"/>
-              <a:t>pseudocode</a:t>
-            </a:r>
-            <a:r>
-              <a:rPr lang="en-US" sz="2000" dirty="0"/>
-              <a:t>:</a:t>
-            </a:r>
-          </a:p>
-          <a:p>
-            <a:r>
-              <a:rPr lang="en-US" sz="2000" dirty="0">
+              <a:rPr lang="en-US" sz="2000" b="1" dirty="0">
                 <a:solidFill>
                   <a:srgbClr val="000090"/>
                 </a:solidFill>
-                <a:latin typeface="Courier"/>
-                <a:cs typeface="Courier"/>
               </a:rPr>
-              <a:t>function </a:t>
-            </a:r>
-            <a:r>
-              <a:rPr lang="en-US" sz="2000" dirty="0" err="1">
-                <a:solidFill>
-                  <a:srgbClr val="000090"/>
-                </a:solidFill>
-                <a:latin typeface="Courier"/>
-                <a:cs typeface="Courier"/>
-              </a:rPr>
-              <a:t>LevelOrder</a:t>
-            </a:r>
-            <a:r>
-              <a:rPr lang="en-US" sz="2000" dirty="0">
-                <a:solidFill>
-                  <a:srgbClr val="000090"/>
-                </a:solidFill>
-                <a:latin typeface="Courier"/>
-                <a:cs typeface="Courier"/>
-              </a:rPr>
-              <a:t>( T )</a:t>
-            </a:r>
-          </a:p>
-          <a:p>
-            <a:r>
-              <a:rPr lang="en-US" sz="2000" dirty="0">
-                <a:solidFill>
-                  <a:srgbClr val="000090"/>
-                </a:solidFill>
-                <a:latin typeface="Courier"/>
-                <a:cs typeface="Courier"/>
-              </a:rPr>
-              <a:t>   </a:t>
-            </a:r>
-          </a:p>
-          <a:p>
-            <a:r>
-              <a:rPr lang="en-US" sz="2000" dirty="0">
-                <a:solidFill>
-                  <a:srgbClr val="000090"/>
-                </a:solidFill>
-                <a:latin typeface="Courier"/>
-                <a:cs typeface="Courier"/>
-              </a:rPr>
-              <a:t>   </a:t>
-            </a:r>
-          </a:p>
-          <a:p>
-            <a:r>
-              <a:rPr lang="en-US" sz="2000" dirty="0">
-                <a:solidFill>
-                  <a:srgbClr val="000090"/>
-                </a:solidFill>
-                <a:latin typeface="Courier"/>
-                <a:cs typeface="Courier"/>
-              </a:rPr>
-              <a:t>   </a:t>
-            </a:r>
-          </a:p>
-          <a:p>
-            <a:endParaRPr lang="en-US" sz="2000" dirty="0">
-              <a:solidFill>
-                <a:srgbClr val="000090"/>
-              </a:solidFill>
-              <a:latin typeface="Courier"/>
-              <a:cs typeface="Courier"/>
-            </a:endParaRPr>
-          </a:p>
-          <a:p>
-            <a:endParaRPr lang="en-US" sz="2000" dirty="0">
-              <a:solidFill>
-                <a:srgbClr val="000090"/>
-              </a:solidFill>
-              <a:latin typeface="Courier"/>
-              <a:cs typeface="Courier"/>
-            </a:endParaRPr>
-          </a:p>
-          <a:p>
-            <a:endParaRPr lang="en-US" sz="2000" dirty="0">
-              <a:solidFill>
-                <a:srgbClr val="000090"/>
-              </a:solidFill>
-              <a:latin typeface="Courier"/>
-              <a:cs typeface="Courier"/>
-            </a:endParaRPr>
-          </a:p>
-          <a:p>
-            <a:endParaRPr lang="en-US" sz="2000" dirty="0">
-              <a:solidFill>
-                <a:srgbClr val="000090"/>
-              </a:solidFill>
-              <a:latin typeface="Courier"/>
-              <a:cs typeface="Courier"/>
-            </a:endParaRPr>
+              <a:t>YOUR ANSWER:</a:t>
+            </a:r>
+          </a:p>
+          <a:p>
+            <a:r>
+              <a:rPr lang="en-US" sz="2000" dirty="0"/>
+              <a:t>Level-order:</a:t>
+            </a:r>
+          </a:p>
+          <a:p>
+            <a:endParaRPr lang="en-US" sz="2000" dirty="0"/>
+          </a:p>
+          <a:p>
+            <a:endParaRPr lang="en-US" sz="2000" dirty="0"/>
           </a:p>
         </p:txBody>
       </p:sp>
     </p:spTree>
     <p:extLst>
       <p:ext uri="{BB962C8B-B14F-4D97-AF65-F5344CB8AC3E}">
-        <p14:creationId xmlns:p14="http://schemas.microsoft.com/office/powerpoint/2010/main" val="2290456308"/>
+        <p14:creationId xmlns:p14="http://schemas.microsoft.com/office/powerpoint/2010/main" val="1542523049"/>
       </p:ext>
     </p:extLst>
   </p:cSld>
@@ -4605,8 +4330,8 @@
         </p:nvSpPr>
         <p:spPr>
           <a:xfrm>
-            <a:off x="265113" y="107951"/>
-            <a:ext cx="8623300" cy="440729"/>
+            <a:off x="253184" y="-243408"/>
+            <a:ext cx="8623300" cy="920750"/>
           </a:xfrm>
         </p:spPr>
         <p:txBody>
@@ -4614,8 +4339,8 @@
           <a:lstStyle/>
           <a:p>
             <a:r>
-              <a:rPr lang="en-US" sz="2400" dirty="0"/>
-              <a:t>T5: Binary Tree Sum </a:t>
+              <a:rPr lang="en-US" sz="2800" dirty="0"/>
+              <a:t>Problem 3:  level-order traversal</a:t>
             </a:r>
           </a:p>
         </p:txBody>
@@ -4644,7 +4369,7 @@
             </a:r>
             <a:fld id="{A9DEA08E-4CB3-E742-9AC2-43959A293033}" type="datetime4">
               <a:rPr lang="en-AU" smtClean="0"/>
-              <a:t>12 April 2021</a:t>
+              <a:t>13 April 2021</a:t>
             </a:fld>
             <a:endParaRPr lang="en-US" dirty="0"/>
           </a:p>
@@ -4705,28 +4430,6 @@
           </a:p>
         </p:txBody>
       </p:sp>
-      <p:pic>
-        <p:nvPicPr>
-          <p:cNvPr id="11" name="Content Placeholder 10"/>
-          <p:cNvPicPr>
-            <a:picLocks noGrp="1" noChangeAspect="1"/>
-          </p:cNvPicPr>
-          <p:nvPr>
-            <p:ph idx="1"/>
-          </p:nvPr>
-        </p:nvPicPr>
-        <p:blipFill rotWithShape="1">
-          <a:blip r:embed="rId2"/>
-          <a:srcRect l="-11724" t="-58606" r="-1971" b="-1"/>
-          <a:stretch/>
-        </p:blipFill>
-        <p:spPr>
-          <a:xfrm>
-            <a:off x="263430" y="1844824"/>
-            <a:ext cx="2412000" cy="3683188"/>
-          </a:xfrm>
-        </p:spPr>
-      </p:pic>
       <p:sp>
         <p:nvSpPr>
           <p:cNvPr id="12" name="TextBox 11"/>
@@ -4735,8 +4438,8 @@
         </p:nvSpPr>
         <p:spPr>
           <a:xfrm>
-            <a:off x="34214" y="592150"/>
-            <a:ext cx="8708901" cy="1077218"/>
+            <a:off x="179512" y="733471"/>
+            <a:ext cx="8708901" cy="1323439"/>
           </a:xfrm>
           <a:prstGeom prst="rect">
             <a:avLst/>
@@ -4751,31 +4454,55 @@
           <a:p>
             <a:r>
               <a:rPr lang="en-US" sz="2000" dirty="0"/>
-              <a:t>Write a recursive algorithm to calculate the sum of a binary tree where each node contains a number. </a:t>
-            </a:r>
-          </a:p>
-          <a:p>
-            <a:endParaRPr lang="en-US" dirty="0"/>
-          </a:p>
-        </p:txBody>
-      </p:sp>
-      <p:sp>
-        <p:nvSpPr>
-          <p:cNvPr id="3" name="Rectangle 2"/>
-          <p:cNvSpPr/>
+              <a:t>Level-order: visit level-by-level, left-to-right, starting from the root (which is in 0-th level). </a:t>
+            </a:r>
+          </a:p>
+          <a:p>
+            <a:pPr marL="514350" indent="-514350">
+              <a:buFont typeface="+mj-lt"/>
+              <a:buAutoNum type="alphaLcParenR"/>
+            </a:pPr>
+            <a:r>
+              <a:rPr lang="en-US" sz="2000" dirty="0">
+                <a:solidFill>
+                  <a:schemeClr val="bg1">
+                    <a:lumMod val="65000"/>
+                  </a:schemeClr>
+                </a:solidFill>
+              </a:rPr>
+              <a:t>For the tree below, what’s the visited order?</a:t>
+            </a:r>
+          </a:p>
+          <a:p>
+            <a:pPr marL="514350" indent="-514350">
+              <a:buFont typeface="+mj-lt"/>
+              <a:buAutoNum type="alphaLcParenR"/>
+            </a:pPr>
+            <a:r>
+              <a:rPr lang="en-US" sz="2000" dirty="0"/>
+              <a:t>Write the level-order pseudo-code.</a:t>
+            </a:r>
+          </a:p>
+        </p:txBody>
+      </p:sp>
+      <p:sp>
+        <p:nvSpPr>
+          <p:cNvPr id="3" name="TextBox 2"/>
+          <p:cNvSpPr txBox="1"/>
           <p:nvPr/>
         </p:nvSpPr>
         <p:spPr>
           <a:xfrm>
-            <a:off x="2847975" y="1655255"/>
-            <a:ext cx="5895140" cy="3170099"/>
+            <a:off x="253184" y="2420888"/>
+            <a:ext cx="8423272" cy="2862322"/>
           </a:xfrm>
           <a:prstGeom prst="rect">
             <a:avLst/>
           </a:prstGeom>
+          <a:noFill/>
         </p:spPr>
         <p:txBody>
-          <a:bodyPr wrap="square">
+          <a:bodyPr wrap="square" rtlCol="0">
             <a:spAutoFit/>
           </a:bodyPr>
           <a:lstStyle/>
@@ -4802,7 +4529,27 @@
                 <a:latin typeface="Courier"/>
                 <a:cs typeface="Courier"/>
               </a:rPr>
-              <a:t>function Sum( T )</a:t>
+              <a:t>function </a:t>
+            </a:r>
+            <a:r>
+              <a:rPr lang="en-US" sz="2000" dirty="0" err="1">
+                <a:solidFill>
+                  <a:srgbClr val="000090"/>
+                </a:solidFill>
+                <a:latin typeface="Courier"/>
+                <a:cs typeface="Courier"/>
+              </a:rPr>
+              <a:t>LevelOrder</a:t>
+            </a:r>
+            <a:r>
+              <a:rPr lang="en-US" sz="2000" dirty="0">
+                <a:solidFill>
+                  <a:srgbClr val="000090"/>
+                </a:solidFill>
+                <a:latin typeface="Courier"/>
+                <a:cs typeface="Courier"/>
+              </a:rPr>
+              <a:t>( T )</a:t>
             </a:r>
           </a:p>
           <a:p>
@@ -4818,6 +4565,30 @@
             </a:r>
           </a:p>
           <a:p>
+            <a:r>
+              <a:rPr lang="en-US" sz="2000" dirty="0">
+                <a:solidFill>
+                  <a:srgbClr val="000090"/>
+                </a:solidFill>
+                <a:latin typeface="Courier"/>
+                <a:cs typeface="Courier"/>
+              </a:rPr>
+              <a:t>   </a:t>
+            </a:r>
+          </a:p>
+          <a:p>
+            <a:r>
+              <a:rPr lang="en-US" sz="2000" dirty="0">
+                <a:solidFill>
+                  <a:srgbClr val="000090"/>
+                </a:solidFill>
+                <a:latin typeface="Courier"/>
+                <a:cs typeface="Courier"/>
+              </a:rPr>
+              <a:t>   </a:t>
+            </a:r>
+          </a:p>
+          <a:p>
             <a:endParaRPr lang="en-US" sz="2000" dirty="0">
               <a:solidFill>
                 <a:srgbClr val="000090"/>
@@ -4853,39 +4624,12 @@
               <a:cs typeface="Courier"/>
             </a:endParaRPr>
           </a:p>
-          <a:p>
-            <a:endParaRPr lang="en-US" sz="2000" dirty="0">
-              <a:solidFill>
-                <a:srgbClr val="000090"/>
-              </a:solidFill>
-              <a:latin typeface="Courier"/>
-              <a:cs typeface="Courier"/>
-            </a:endParaRPr>
-          </a:p>
-          <a:p>
-            <a:endParaRPr lang="en-US" sz="2000" dirty="0">
-              <a:solidFill>
-                <a:srgbClr val="000090"/>
-              </a:solidFill>
-              <a:latin typeface="Courier"/>
-              <a:cs typeface="Courier"/>
-            </a:endParaRPr>
-          </a:p>
-          <a:p>
-            <a:endParaRPr lang="en-US" sz="2000" dirty="0">
-              <a:solidFill>
-                <a:srgbClr val="000090"/>
-              </a:solidFill>
-              <a:latin typeface="Courier"/>
-              <a:cs typeface="Courier"/>
-            </a:endParaRPr>
-          </a:p>
         </p:txBody>
       </p:sp>
     </p:spTree>
     <p:extLst>
       <p:ext uri="{BB962C8B-B14F-4D97-AF65-F5344CB8AC3E}">
-        <p14:creationId xmlns:p14="http://schemas.microsoft.com/office/powerpoint/2010/main" val="11444405"/>
+        <p14:creationId xmlns:p14="http://schemas.microsoft.com/office/powerpoint/2010/main" val="2290456308"/>
       </p:ext>
     </p:extLst>
   </p:cSld>
@@ -5065,7 +4809,7 @@
             </a:r>
             <a:fld id="{A9DEA08E-4CB3-E742-9AC2-43959A293033}" type="datetime4">
               <a:rPr lang="en-AU" smtClean="0"/>
-              <a:t>12 April 2021</a:t>
+              <a:t>13 April 2021</a:t>
             </a:fld>
             <a:endParaRPr lang="en-US" dirty="0"/>
           </a:p>
@@ -5400,7 +5144,7 @@
             </a:r>
             <a:fld id="{A9DEA08E-4CB3-E742-9AC2-43959A293033}" type="datetime4">
               <a:rPr lang="en-AU" smtClean="0"/>
-              <a:t>12 April 2021</a:t>
+              <a:t>13 April 2021</a:t>
             </a:fld>
             <a:endParaRPr lang="en-US" dirty="0"/>
           </a:p>
@@ -5701,7 +5445,7 @@
             </a:r>
             <a:fld id="{A9DEA08E-4CB3-E742-9AC2-43959A293033}" type="datetime4">
               <a:rPr lang="en-AU" smtClean="0"/>
-              <a:t>12 April 2021</a:t>
+              <a:t>13 April 2021</a:t>
             </a:fld>
             <a:endParaRPr lang="en-US" dirty="0"/>
           </a:p>
@@ -5979,7 +5723,7 @@
             </a:r>
             <a:fld id="{A9DEA08E-4CB3-E742-9AC2-43959A293033}" type="datetime4">
               <a:rPr lang="en-AU" smtClean="0"/>
-              <a:t>12 April 2021</a:t>
+              <a:t>13 April 2021</a:t>
             </a:fld>
             <a:endParaRPr lang="en-US" dirty="0"/>
           </a:p>
@@ -6359,7 +6103,7 @@
             </a:r>
             <a:fld id="{A9DEA08E-4CB3-E742-9AC2-43959A293033}" type="datetime4">
               <a:rPr lang="en-AU" smtClean="0"/>
-              <a:t>12 April 2021</a:t>
+              <a:t>13 April 2021</a:t>
             </a:fld>
             <a:endParaRPr lang="en-US" dirty="0"/>
           </a:p>
@@ -6679,7 +6423,7 @@
             </a:r>
             <a:fld id="{A9DEA08E-4CB3-E742-9AC2-43959A293033}" type="datetime4">
               <a:rPr lang="en-AU" smtClean="0"/>
-              <a:t>12 April 2021</a:t>
+              <a:t>13 April 2021</a:t>
             </a:fld>
             <a:endParaRPr lang="en-US" dirty="0"/>
           </a:p>
@@ -7250,40 +6994,226 @@
             <p:ph type="title"/>
           </p:nvPr>
         </p:nvSpPr>
-        <p:spPr/>
+        <p:spPr>
+          <a:xfrm>
+            <a:off x="265113" y="-243408"/>
+            <a:ext cx="8623300" cy="920750"/>
+          </a:xfrm>
+        </p:spPr>
         <p:txBody>
           <a:bodyPr/>
           <a:lstStyle/>
           <a:p>
             <a:r>
               <a:rPr lang="en-US" dirty="0"/>
-              <a:t>Trees as Special Graphs </a:t>
-            </a:r>
-          </a:p>
-        </p:txBody>
-      </p:sp>
-      <p:pic>
-        <p:nvPicPr>
-          <p:cNvPr id="8" name="Content Placeholder 7"/>
-          <p:cNvPicPr>
-            <a:picLocks noGrp="1" noChangeAspect="1"/>
-          </p:cNvPicPr>
+              <a:t>Group Work: problem 1 </a:t>
+            </a:r>
+          </a:p>
+        </p:txBody>
+      </p:sp>
+      <p:sp>
+        <p:nvSpPr>
+          <p:cNvPr id="3" name="Content Placeholder 2"/>
+          <p:cNvSpPr>
+            <a:spLocks noGrp="1"/>
+          </p:cNvSpPr>
           <p:nvPr>
             <p:ph idx="1"/>
           </p:nvPr>
-        </p:nvPicPr>
-        <p:blipFill rotWithShape="1">
-          <a:blip r:embed="rId2"/>
-          <a:srcRect t="-3078" b="-8008"/>
-          <a:stretch/>
-        </p:blipFill>
+        </p:nvSpPr>
         <p:spPr>
           <a:xfrm>
-            <a:off x="308206" y="1136941"/>
-            <a:ext cx="3744416" cy="3164400"/>
+            <a:off x="107505" y="483402"/>
+            <a:ext cx="6264696" cy="6041941"/>
           </a:xfrm>
         </p:spPr>
-      </p:pic>
+        <p:txBody>
+          <a:bodyPr/>
+          <a:lstStyle/>
+          <a:p>
+            <a:pPr marL="0" indent="0">
+              <a:buNone/>
+            </a:pPr>
+            <a:r>
+              <a:rPr lang="en-US" sz="1800" b="1" i="1" dirty="0">
+                <a:solidFill>
+                  <a:srgbClr val="000090"/>
+                </a:solidFill>
+                <a:effectLst/>
+              </a:rPr>
+              <a:t>T1:</a:t>
+            </a:r>
+            <a:r>
+              <a:rPr lang="en-US" sz="1800" i="1" dirty="0">
+                <a:solidFill>
+                  <a:srgbClr val="000090"/>
+                </a:solidFill>
+                <a:effectLst/>
+              </a:rPr>
+              <a:t> Finding a topological order for the graph by running a DFS.</a:t>
+            </a:r>
+            <a:r>
+              <a:rPr lang="en-US" sz="1800" dirty="0">
+                <a:effectLst/>
+              </a:rPr>
+              <a:t> </a:t>
+            </a:r>
+          </a:p>
+          <a:p>
+            <a:pPr marL="0" indent="0">
+              <a:spcBef>
+                <a:spcPts val="600"/>
+              </a:spcBef>
+              <a:buNone/>
+            </a:pPr>
+            <a:r>
+              <a:rPr lang="en-US" sz="1800" dirty="0"/>
+              <a:t>  YOUR ANSWER:</a:t>
+            </a:r>
+          </a:p>
+          <a:p>
+            <a:pPr marL="0" indent="0">
+              <a:spcBef>
+                <a:spcPts val="600"/>
+              </a:spcBef>
+              <a:buNone/>
+            </a:pPr>
+            <a:r>
+              <a:rPr lang="en-US" sz="1800" dirty="0"/>
+              <a:t>note: it would be better first to write down the operations with and the content of stack like:</a:t>
+            </a:r>
+          </a:p>
+          <a:p>
+            <a:pPr marL="0" indent="0">
+              <a:spcBef>
+                <a:spcPts val="0"/>
+              </a:spcBef>
+              <a:buNone/>
+            </a:pPr>
+            <a:endParaRPr lang="en-US" sz="1600" dirty="0"/>
+          </a:p>
+          <a:p>
+            <a:pPr marL="0" indent="0">
+              <a:spcBef>
+                <a:spcPts val="0"/>
+              </a:spcBef>
+              <a:buNone/>
+            </a:pPr>
+            <a:endParaRPr lang="en-US" sz="1600" dirty="0"/>
+          </a:p>
+          <a:p>
+            <a:pPr marL="0" indent="0">
+              <a:spcBef>
+                <a:spcPts val="0"/>
+              </a:spcBef>
+              <a:buNone/>
+            </a:pPr>
+            <a:endParaRPr lang="en-US" sz="1600" dirty="0"/>
+          </a:p>
+          <a:p>
+            <a:pPr marL="0" indent="0">
+              <a:spcBef>
+                <a:spcPts val="0"/>
+              </a:spcBef>
+              <a:buNone/>
+            </a:pPr>
+            <a:endParaRPr lang="en-US" sz="1600" dirty="0"/>
+          </a:p>
+          <a:p>
+            <a:pPr marL="0" indent="0">
+              <a:spcBef>
+                <a:spcPts val="0"/>
+              </a:spcBef>
+              <a:buNone/>
+            </a:pPr>
+            <a:endParaRPr lang="en-US" sz="1600" dirty="0"/>
+          </a:p>
+          <a:p>
+            <a:pPr marL="0" indent="0">
+              <a:spcBef>
+                <a:spcPts val="0"/>
+              </a:spcBef>
+              <a:buNone/>
+            </a:pPr>
+            <a:endParaRPr lang="en-US" sz="1600" dirty="0"/>
+          </a:p>
+          <a:p>
+            <a:pPr marL="0" indent="0">
+              <a:spcBef>
+                <a:spcPts val="0"/>
+              </a:spcBef>
+              <a:buNone/>
+            </a:pPr>
+            <a:endParaRPr lang="en-US" sz="1600" dirty="0"/>
+          </a:p>
+          <a:p>
+            <a:pPr marL="0" indent="0">
+              <a:spcBef>
+                <a:spcPts val="0"/>
+              </a:spcBef>
+              <a:buNone/>
+            </a:pPr>
+            <a:endParaRPr lang="en-US" sz="1600" dirty="0"/>
+          </a:p>
+          <a:p>
+            <a:pPr marL="0" indent="0">
+              <a:spcBef>
+                <a:spcPts val="0"/>
+              </a:spcBef>
+              <a:buNone/>
+            </a:pPr>
+            <a:endParaRPr lang="en-US" sz="1600" dirty="0"/>
+          </a:p>
+          <a:p>
+            <a:pPr marL="0" indent="0">
+              <a:spcBef>
+                <a:spcPts val="0"/>
+              </a:spcBef>
+              <a:buNone/>
+            </a:pPr>
+            <a:endParaRPr lang="en-US" sz="1600" dirty="0"/>
+          </a:p>
+          <a:p>
+            <a:pPr marL="0" indent="0">
+              <a:spcBef>
+                <a:spcPts val="0"/>
+              </a:spcBef>
+              <a:buNone/>
+            </a:pPr>
+            <a:endParaRPr lang="en-US" sz="1600" dirty="0"/>
+          </a:p>
+          <a:p>
+            <a:pPr marL="0" indent="0">
+              <a:spcBef>
+                <a:spcPts val="0"/>
+              </a:spcBef>
+              <a:buNone/>
+            </a:pPr>
+            <a:endParaRPr lang="en-US" sz="1600" dirty="0"/>
+          </a:p>
+          <a:p>
+            <a:pPr marL="0" indent="0">
+              <a:spcBef>
+                <a:spcPts val="0"/>
+              </a:spcBef>
+              <a:buNone/>
+            </a:pPr>
+            <a:endParaRPr lang="en-US" sz="1600" dirty="0"/>
+          </a:p>
+          <a:p>
+            <a:pPr marL="0" indent="0">
+              <a:spcBef>
+                <a:spcPts val="0"/>
+              </a:spcBef>
+              <a:buNone/>
+            </a:pPr>
+            <a:r>
+              <a:rPr lang="en-US" sz="1600" dirty="0"/>
+              <a:t>(you can also just draw graph and write down push and pop order on the left and right of each node)</a:t>
+            </a:r>
+          </a:p>
+        </p:txBody>
+      </p:sp>
       <p:sp>
         <p:nvSpPr>
           <p:cNvPr id="4" name="Date Placeholder 3"/>
@@ -7333,10 +7263,9 @@
               <a:defRPr/>
             </a:pPr>
             <a:r>
-              <a:rPr lang="en-US"/>
+              <a:rPr lang="en-US" dirty="0"/>
               <a:t>COMP20007.Worshop</a:t>
             </a:r>
-            <a:endParaRPr lang="en-US" dirty="0"/>
           </a:p>
         </p:txBody>
       </p:sp>
@@ -7369,105 +7298,206 @@
           </a:p>
         </p:txBody>
       </p:sp>
-      <p:sp>
-        <p:nvSpPr>
-          <p:cNvPr id="9" name="TextBox 8"/>
-          <p:cNvSpPr txBox="1"/>
+      <p:pic>
+        <p:nvPicPr>
+          <p:cNvPr id="7" name="Picture 6"/>
+          <p:cNvPicPr>
+            <a:picLocks noChangeAspect="1"/>
+          </p:cNvPicPr>
           <p:nvPr/>
-        </p:nvSpPr>
+        </p:nvPicPr>
+        <p:blipFill>
+          <a:blip r:embed="rId2"/>
+          <a:stretch>
+            <a:fillRect/>
+          </a:stretch>
+        </p:blipFill>
         <p:spPr>
           <a:xfrm>
-            <a:off x="4671026" y="1194706"/>
-            <a:ext cx="4472974" cy="3293209"/>
+            <a:off x="6763702" y="677342"/>
+            <a:ext cx="2268221" cy="2206361"/>
           </a:xfrm>
           <a:prstGeom prst="rect">
             <a:avLst/>
           </a:prstGeom>
-          <a:noFill/>
         </p:spPr>
-        <p:txBody>
-          <a:bodyPr wrap="square" rtlCol="0">
-            <a:spAutoFit/>
-          </a:bodyPr>
-          <a:lstStyle/>
-          <a:p>
-            <a:r>
-              <a:rPr lang="en-US" dirty="0"/>
-              <a:t>If a graph (V,E) is a tree, then:</a:t>
-            </a:r>
-          </a:p>
-          <a:p>
-            <a:pPr marL="342900" indent="-342900">
-              <a:buFont typeface="Arial"/>
-              <a:buChar char="•"/>
-            </a:pPr>
-            <a:r>
-              <a:rPr lang="en-US" sz="2000" dirty="0"/>
-              <a:t>digraph?</a:t>
-            </a:r>
-          </a:p>
-          <a:p>
-            <a:pPr marL="342900" indent="-342900">
-              <a:buFont typeface="Arial"/>
-              <a:buChar char="•"/>
-            </a:pPr>
-            <a:r>
-              <a:rPr lang="en-US" sz="2000" dirty="0"/>
-              <a:t>cyclic?</a:t>
-            </a:r>
-          </a:p>
-          <a:p>
-            <a:pPr marL="342900" indent="-342900">
-              <a:buFont typeface="Arial"/>
-              <a:buChar char="•"/>
-            </a:pPr>
-            <a:r>
-              <a:rPr lang="en-US" sz="2000" dirty="0"/>
-              <a:t>connected?</a:t>
-            </a:r>
-          </a:p>
-          <a:p>
-            <a:pPr marL="342900" indent="-342900">
-              <a:buFont typeface="Arial"/>
-              <a:buChar char="•"/>
-            </a:pPr>
-            <a:r>
-              <a:rPr lang="en-US" sz="2000" dirty="0"/>
-              <a:t>sparse/dense?</a:t>
-            </a:r>
-          </a:p>
-          <a:p>
-            <a:pPr marL="342900" indent="-342900">
-              <a:buFont typeface="Arial"/>
-              <a:buChar char="•"/>
-            </a:pPr>
-            <a:r>
-              <a:rPr lang="en-US" sz="2000" dirty="0"/>
-              <a:t>relationship between n=|V| and m=|E| : </a:t>
-            </a:r>
-          </a:p>
-          <a:p>
-            <a:endParaRPr lang="en-US" sz="2000" dirty="0"/>
-          </a:p>
-          <a:p>
-            <a:pPr marL="342900" indent="-342900">
-              <a:buFont typeface="Arial"/>
-              <a:buChar char="•"/>
-            </a:pPr>
-            <a:r>
-              <a:rPr lang="en-US" sz="2000" dirty="0"/>
-              <a:t>best representation?</a:t>
-            </a:r>
-          </a:p>
-          <a:p>
-            <a:endParaRPr lang="en-US" dirty="0"/>
-          </a:p>
-        </p:txBody>
-      </p:sp>
+      </p:pic>
+      <p:graphicFrame>
+        <p:nvGraphicFramePr>
+          <p:cNvPr id="8" name="Table 8">
+            <a:extLst>
+              <a:ext uri="{FF2B5EF4-FFF2-40B4-BE49-F238E27FC236}">
+                <a16:creationId xmlns:a16="http://schemas.microsoft.com/office/drawing/2014/main" id="{BBB321E9-3D21-CC48-80C1-13E79EBD8191}"/>
+              </a:ext>
+            </a:extLst>
+          </p:cNvPr>
+          <p:cNvGraphicFramePr>
+            <a:graphicFrameLocks noGrp="1"/>
+          </p:cNvGraphicFramePr>
+          <p:nvPr>
+            <p:extLst>
+              <p:ext uri="{D42A27DB-BD31-4B8C-83A1-F6EECF244321}">
+                <p14:modId xmlns:p14="http://schemas.microsoft.com/office/powerpoint/2010/main" val="2813689100"/>
+              </p:ext>
+            </p:extLst>
+          </p:nvPr>
+        </p:nvGraphicFramePr>
+        <p:xfrm>
+          <a:off x="293688" y="1780522"/>
+          <a:ext cx="6096000" cy="1193800"/>
+        </p:xfrm>
+        <a:graphic>
+          <a:graphicData uri="http://schemas.openxmlformats.org/drawingml/2006/table">
+            <a:tbl>
+              <a:tblPr firstRow="1" bandRow="1">
+                <a:tableStyleId>{5C22544A-7EE6-4342-B048-85BDC9FD1C3A}</a:tableStyleId>
+              </a:tblPr>
+              <a:tblGrid>
+                <a:gridCol w="3048000">
+                  <a:extLst>
+                    <a:ext uri="{9D8B030D-6E8A-4147-A177-3AD203B41FA5}">
+                      <a16:colId xmlns:a16="http://schemas.microsoft.com/office/drawing/2014/main" val="1638903081"/>
+                    </a:ext>
+                  </a:extLst>
+                </a:gridCol>
+                <a:gridCol w="3048000">
+                  <a:extLst>
+                    <a:ext uri="{9D8B030D-6E8A-4147-A177-3AD203B41FA5}">
+                      <a16:colId xmlns:a16="http://schemas.microsoft.com/office/drawing/2014/main" val="1591038560"/>
+                    </a:ext>
+                  </a:extLst>
+                </a:gridCol>
+              </a:tblGrid>
+              <a:tr h="370840">
+                <a:tc>
+                  <a:txBody>
+                    <a:bodyPr/>
+                    <a:lstStyle/>
+                    <a:p>
+                      <a:pPr marL="0" marR="0" lvl="0" indent="0" algn="l" defTabSz="914400" rtl="0" eaLnBrk="1" fontAlgn="auto" latinLnBrk="0" hangingPunct="1">
+                        <a:lnSpc>
+                          <a:spcPct val="100000"/>
+                        </a:lnSpc>
+                        <a:spcBef>
+                          <a:spcPts val="0"/>
+                        </a:spcBef>
+                        <a:spcAft>
+                          <a:spcPts val="0"/>
+                        </a:spcAft>
+                        <a:buClrTx/>
+                        <a:buSzTx/>
+                        <a:buFontTx/>
+                        <a:buNone/>
+                        <a:tabLst/>
+                        <a:defRPr/>
+                      </a:pPr>
+                      <a:r>
+                        <a:rPr lang="en-US" sz="1800" dirty="0"/>
+                        <a:t>operation     content</a:t>
+                      </a:r>
+                    </a:p>
+                  </a:txBody>
+                  <a:tcPr/>
+                </a:tc>
+                <a:tc>
+                  <a:txBody>
+                    <a:bodyPr/>
+                    <a:lstStyle/>
+                    <a:p>
+                      <a:pPr marL="0" marR="0" lvl="0" indent="0" algn="l" defTabSz="914400" rtl="0" eaLnBrk="1" fontAlgn="auto" latinLnBrk="0" hangingPunct="1">
+                        <a:lnSpc>
+                          <a:spcPct val="100000"/>
+                        </a:lnSpc>
+                        <a:spcBef>
+                          <a:spcPts val="0"/>
+                        </a:spcBef>
+                        <a:spcAft>
+                          <a:spcPts val="0"/>
+                        </a:spcAft>
+                        <a:buClrTx/>
+                        <a:buSzTx/>
+                        <a:buFontTx/>
+                        <a:buNone/>
+                        <a:tabLst/>
+                        <a:defRPr/>
+                      </a:pPr>
+                      <a:r>
+                        <a:rPr lang="en-US" sz="1800" dirty="0"/>
+                        <a:t>operation     content</a:t>
+                      </a:r>
+                    </a:p>
+                  </a:txBody>
+                  <a:tcPr/>
+                </a:tc>
+                <a:extLst>
+                  <a:ext uri="{0D108BD9-81ED-4DB2-BD59-A6C34878D82A}">
+                    <a16:rowId xmlns:a16="http://schemas.microsoft.com/office/drawing/2014/main" val="392197143"/>
+                  </a:ext>
+                </a:extLst>
+              </a:tr>
+              <a:tr h="370840">
+                <a:tc>
+                  <a:txBody>
+                    <a:bodyPr/>
+                    <a:lstStyle/>
+                    <a:p>
+                      <a:pPr marL="0" indent="0">
+                        <a:spcBef>
+                          <a:spcPts val="0"/>
+                        </a:spcBef>
+                        <a:buNone/>
+                      </a:pPr>
+                      <a:r>
+                        <a:rPr lang="en-US" sz="1600" dirty="0" err="1"/>
+                        <a:t>init</a:t>
+                      </a:r>
+                      <a:r>
+                        <a:rPr lang="en-US" sz="1600" dirty="0"/>
+                        <a:t> stack      $</a:t>
+                      </a:r>
+                    </a:p>
+                    <a:p>
+                      <a:pPr marL="0" indent="0">
+                        <a:spcBef>
+                          <a:spcPts val="0"/>
+                        </a:spcBef>
+                        <a:buNone/>
+                      </a:pPr>
+                      <a:r>
+                        <a:rPr lang="en-US" sz="1600" dirty="0"/>
+                        <a:t>push A         $A</a:t>
+                      </a:r>
+                    </a:p>
+                    <a:p>
+                      <a:endParaRPr lang="en-US" sz="1600" dirty="0"/>
+                    </a:p>
+                  </a:txBody>
+                  <a:tcPr/>
+                </a:tc>
+                <a:tc>
+                  <a:txBody>
+                    <a:bodyPr/>
+                    <a:lstStyle/>
+                    <a:p>
+                      <a:endParaRPr lang="en-US" sz="1600" dirty="0"/>
+                    </a:p>
+                  </a:txBody>
+                  <a:tcPr/>
+                </a:tc>
+                <a:extLst>
+                  <a:ext uri="{0D108BD9-81ED-4DB2-BD59-A6C34878D82A}">
+                    <a16:rowId xmlns:a16="http://schemas.microsoft.com/office/drawing/2014/main" val="810402082"/>
+                  </a:ext>
+                </a:extLst>
+              </a:tr>
+            </a:tbl>
+          </a:graphicData>
+        </a:graphic>
+      </p:graphicFrame>
     </p:spTree>
     <p:extLst>
       <p:ext uri="{BB962C8B-B14F-4D97-AF65-F5344CB8AC3E}">
-        <p14:creationId xmlns:p14="http://schemas.microsoft.com/office/powerpoint/2010/main" val="3758879509"/>
+        <p14:creationId xmlns:p14="http://schemas.microsoft.com/office/powerpoint/2010/main" val="1043767883"/>
       </p:ext>
     </p:extLst>
   </p:cSld>
@@ -7511,19 +7541,41 @@
           <a:p>
             <a:r>
               <a:rPr lang="en-US" dirty="0"/>
-              <a:t>Binary Tree: Recursive Definition</a:t>
-            </a:r>
-          </a:p>
-        </p:txBody>
-      </p:sp>
-      <p:sp>
-        <p:nvSpPr>
-          <p:cNvPr id="3" name="Content Placeholder 2"/>
-          <p:cNvSpPr>
-            <a:spLocks noGrp="1"/>
-          </p:cNvSpPr>
+              <a:t>Trees as Special Graphs </a:t>
+            </a:r>
+          </a:p>
+        </p:txBody>
+      </p:sp>
+      <p:pic>
+        <p:nvPicPr>
+          <p:cNvPr id="8" name="Content Placeholder 7"/>
+          <p:cNvPicPr>
+            <a:picLocks noGrp="1" noChangeAspect="1"/>
+          </p:cNvPicPr>
           <p:nvPr>
             <p:ph idx="1"/>
+          </p:nvPr>
+        </p:nvPicPr>
+        <p:blipFill rotWithShape="1">
+          <a:blip r:embed="rId2"/>
+          <a:srcRect t="-3078" b="-8008"/>
+          <a:stretch/>
+        </p:blipFill>
+        <p:spPr>
+          <a:xfrm>
+            <a:off x="308206" y="1136941"/>
+            <a:ext cx="3744416" cy="3164400"/>
+          </a:xfrm>
+        </p:spPr>
+      </p:pic>
+      <p:sp>
+        <p:nvSpPr>
+          <p:cNvPr id="4" name="Date Placeholder 3"/>
+          <p:cNvSpPr>
+            <a:spLocks noGrp="1"/>
+          </p:cNvSpPr>
+          <p:nvPr>
+            <p:ph type="dt" sz="half" idx="10"/>
           </p:nvPr>
         </p:nvSpPr>
         <p:spPr/>
@@ -7531,25 +7583,6 @@
           <a:bodyPr/>
           <a:lstStyle/>
           <a:p>
-            <a:endParaRPr lang="en-US"/>
-          </a:p>
-        </p:txBody>
-      </p:sp>
-      <p:sp>
-        <p:nvSpPr>
-          <p:cNvPr id="4" name="Date Placeholder 3"/>
-          <p:cNvSpPr>
-            <a:spLocks noGrp="1"/>
-          </p:cNvSpPr>
-          <p:nvPr>
-            <p:ph type="dt" sz="half" idx="10"/>
-          </p:nvPr>
-        </p:nvSpPr>
-        <p:spPr/>
-        <p:txBody>
-          <a:bodyPr/>
-          <a:lstStyle/>
-          <a:p>
             <a:pPr>
               <a:defRPr/>
             </a:pPr>
@@ -7559,7 +7592,7 @@
             </a:r>
             <a:fld id="{A9DEA08E-4CB3-E742-9AC2-43959A293033}" type="datetime4">
               <a:rPr lang="en-AU" smtClean="0"/>
-              <a:t>12 April 2021</a:t>
+              <a:t>13 April 2021</a:t>
             </a:fld>
             <a:endParaRPr lang="en-US" dirty="0"/>
           </a:p>
@@ -7620,10 +7653,105 @@
           </a:p>
         </p:txBody>
       </p:sp>
+      <p:sp>
+        <p:nvSpPr>
+          <p:cNvPr id="9" name="TextBox 8"/>
+          <p:cNvSpPr txBox="1"/>
+          <p:nvPr/>
+        </p:nvSpPr>
+        <p:spPr>
+          <a:xfrm>
+            <a:off x="4671026" y="1194706"/>
+            <a:ext cx="4472974" cy="3293209"/>
+          </a:xfrm>
+          <a:prstGeom prst="rect">
+            <a:avLst/>
+          </a:prstGeom>
+          <a:noFill/>
+        </p:spPr>
+        <p:txBody>
+          <a:bodyPr wrap="square" rtlCol="0">
+            <a:spAutoFit/>
+          </a:bodyPr>
+          <a:lstStyle/>
+          <a:p>
+            <a:r>
+              <a:rPr lang="en-US" dirty="0"/>
+              <a:t>If a graph (V,E) is a tree, then:</a:t>
+            </a:r>
+          </a:p>
+          <a:p>
+            <a:pPr marL="342900" indent="-342900">
+              <a:buFont typeface="Arial"/>
+              <a:buChar char="•"/>
+            </a:pPr>
+            <a:r>
+              <a:rPr lang="en-US" sz="2000" dirty="0"/>
+              <a:t>digraph?</a:t>
+            </a:r>
+          </a:p>
+          <a:p>
+            <a:pPr marL="342900" indent="-342900">
+              <a:buFont typeface="Arial"/>
+              <a:buChar char="•"/>
+            </a:pPr>
+            <a:r>
+              <a:rPr lang="en-US" sz="2000" dirty="0"/>
+              <a:t>cyclic?</a:t>
+            </a:r>
+          </a:p>
+          <a:p>
+            <a:pPr marL="342900" indent="-342900">
+              <a:buFont typeface="Arial"/>
+              <a:buChar char="•"/>
+            </a:pPr>
+            <a:r>
+              <a:rPr lang="en-US" sz="2000" dirty="0"/>
+              <a:t>connected?</a:t>
+            </a:r>
+          </a:p>
+          <a:p>
+            <a:pPr marL="342900" indent="-342900">
+              <a:buFont typeface="Arial"/>
+              <a:buChar char="•"/>
+            </a:pPr>
+            <a:r>
+              <a:rPr lang="en-US" sz="2000" dirty="0"/>
+              <a:t>sparse/dense?</a:t>
+            </a:r>
+          </a:p>
+          <a:p>
+            <a:pPr marL="342900" indent="-342900">
+              <a:buFont typeface="Arial"/>
+              <a:buChar char="•"/>
+            </a:pPr>
+            <a:r>
+              <a:rPr lang="en-US" sz="2000" dirty="0"/>
+              <a:t>relationship between n=|V| and m=|E| : </a:t>
+            </a:r>
+          </a:p>
+          <a:p>
+            <a:endParaRPr lang="en-US" sz="2000" dirty="0"/>
+          </a:p>
+          <a:p>
+            <a:pPr marL="342900" indent="-342900">
+              <a:buFont typeface="Arial"/>
+              <a:buChar char="•"/>
+            </a:pPr>
+            <a:r>
+              <a:rPr lang="en-US" sz="2000" dirty="0"/>
+              <a:t>best representation?</a:t>
+            </a:r>
+          </a:p>
+          <a:p>
+            <a:endParaRPr lang="en-US" dirty="0"/>
+          </a:p>
+        </p:txBody>
+      </p:sp>
     </p:spTree>
     <p:extLst>
       <p:ext uri="{BB962C8B-B14F-4D97-AF65-F5344CB8AC3E}">
-        <p14:creationId xmlns:p14="http://schemas.microsoft.com/office/powerpoint/2010/main" val="3833097574"/>
+        <p14:creationId xmlns:p14="http://schemas.microsoft.com/office/powerpoint/2010/main" val="3758879509"/>
       </p:ext>
     </p:extLst>
   </p:cSld>
@@ -7667,19 +7795,19 @@
           <a:p>
             <a:r>
               <a:rPr lang="en-US" dirty="0"/>
-              <a:t>Binary tree traversal </a:t>
-            </a:r>
-          </a:p>
-        </p:txBody>
-      </p:sp>
-      <p:sp>
-        <p:nvSpPr>
-          <p:cNvPr id="4" name="Date Placeholder 3"/>
-          <p:cNvSpPr>
-            <a:spLocks noGrp="1"/>
-          </p:cNvSpPr>
-          <p:nvPr>
-            <p:ph type="dt" sz="half" idx="10"/>
+              <a:t>Binary Tree: Recursive Definition</a:t>
+            </a:r>
+          </a:p>
+        </p:txBody>
+      </p:sp>
+      <p:sp>
+        <p:nvSpPr>
+          <p:cNvPr id="3" name="Content Placeholder 2"/>
+          <p:cNvSpPr>
+            <a:spLocks noGrp="1"/>
+          </p:cNvSpPr>
+          <p:nvPr>
+            <p:ph idx="1"/>
           </p:nvPr>
         </p:nvSpPr>
         <p:spPr/>
@@ -7687,6 +7815,25 @@
           <a:bodyPr/>
           <a:lstStyle/>
           <a:p>
+            <a:endParaRPr lang="en-US"/>
+          </a:p>
+        </p:txBody>
+      </p:sp>
+      <p:sp>
+        <p:nvSpPr>
+          <p:cNvPr id="4" name="Date Placeholder 3"/>
+          <p:cNvSpPr>
+            <a:spLocks noGrp="1"/>
+          </p:cNvSpPr>
+          <p:nvPr>
+            <p:ph type="dt" sz="half" idx="10"/>
+          </p:nvPr>
+        </p:nvSpPr>
+        <p:spPr/>
+        <p:txBody>
+          <a:bodyPr/>
+          <a:lstStyle/>
+          <a:p>
             <a:pPr>
               <a:defRPr/>
             </a:pPr>
@@ -7696,7 +7843,7 @@
             </a:r>
             <a:fld id="{A9DEA08E-4CB3-E742-9AC2-43959A293033}" type="datetime4">
               <a:rPr lang="en-AU" smtClean="0"/>
-              <a:t>12 April 2021</a:t>
+              <a:t>13 April 2021</a:t>
             </a:fld>
             <a:endParaRPr lang="en-US" dirty="0"/>
           </a:p>
@@ -7757,135 +7904,10 @@
           </a:p>
         </p:txBody>
       </p:sp>
-      <p:sp>
-        <p:nvSpPr>
-          <p:cNvPr id="12" name="TextBox 11"/>
-          <p:cNvSpPr txBox="1"/>
-          <p:nvPr/>
-        </p:nvSpPr>
-        <p:spPr>
-          <a:xfrm>
-            <a:off x="179512" y="1311429"/>
-            <a:ext cx="8708901" cy="1323439"/>
-          </a:xfrm>
-          <a:prstGeom prst="rect">
-            <a:avLst/>
-          </a:prstGeom>
-          <a:noFill/>
-        </p:spPr>
-        <p:txBody>
-          <a:bodyPr wrap="square" rtlCol="0">
-            <a:spAutoFit/>
-          </a:bodyPr>
-          <a:lstStyle/>
-          <a:p>
-            <a:r>
-              <a:rPr lang="en-US" sz="2800" dirty="0"/>
-              <a:t>What is </a:t>
-            </a:r>
-            <a:r>
-              <a:rPr lang="en-US" sz="2800" i="1" dirty="0" err="1"/>
-              <a:t>inorder</a:t>
-            </a:r>
-            <a:r>
-              <a:rPr lang="en-US" sz="2800" dirty="0"/>
-              <a:t>, </a:t>
-            </a:r>
-            <a:r>
-              <a:rPr lang="en-US" sz="2800" i="1" dirty="0"/>
-              <a:t>preorder</a:t>
-            </a:r>
-            <a:r>
-              <a:rPr lang="en-US" sz="2800" dirty="0"/>
-              <a:t>, </a:t>
-            </a:r>
-            <a:r>
-              <a:rPr lang="en-US" sz="2800" i="1" dirty="0" err="1"/>
-              <a:t>postorder</a:t>
-            </a:r>
-            <a:r>
-              <a:rPr lang="en-US" sz="2800" i="1" dirty="0"/>
-              <a:t>, </a:t>
-            </a:r>
-            <a:r>
-              <a:rPr lang="en-US" sz="2800" dirty="0"/>
-              <a:t>and</a:t>
-            </a:r>
-            <a:r>
-              <a:rPr lang="en-US" sz="2800" i="1" dirty="0"/>
-              <a:t> level-order</a:t>
-            </a:r>
-            <a:r>
-              <a:rPr lang="en-US" sz="2800" dirty="0"/>
-              <a:t> traversal? Are they BFS or DFS?</a:t>
-            </a:r>
-          </a:p>
-          <a:p>
-            <a:endParaRPr lang="en-US" dirty="0"/>
-          </a:p>
-        </p:txBody>
-      </p:sp>
-      <p:pic>
-        <p:nvPicPr>
-          <p:cNvPr id="8" name="Picture 7"/>
-          <p:cNvPicPr>
-            <a:picLocks noChangeAspect="1"/>
-          </p:cNvPicPr>
-          <p:nvPr/>
-        </p:nvPicPr>
-        <p:blipFill>
-          <a:blip r:embed="rId2"/>
-          <a:stretch>
-            <a:fillRect/>
-          </a:stretch>
-        </p:blipFill>
-        <p:spPr>
-          <a:xfrm>
-            <a:off x="755576" y="2420888"/>
-            <a:ext cx="4838700" cy="2781300"/>
-          </a:xfrm>
-          <a:prstGeom prst="rect">
-            <a:avLst/>
-          </a:prstGeom>
-        </p:spPr>
-      </p:pic>
-      <p:sp>
-        <p:nvSpPr>
-          <p:cNvPr id="10" name="TextBox 9"/>
-          <p:cNvSpPr txBox="1"/>
-          <p:nvPr/>
-        </p:nvSpPr>
-        <p:spPr>
-          <a:xfrm>
-            <a:off x="293688" y="5529600"/>
-            <a:ext cx="5019072" cy="461665"/>
-          </a:xfrm>
-          <a:prstGeom prst="rect">
-            <a:avLst/>
-          </a:prstGeom>
-          <a:noFill/>
-        </p:spPr>
-        <p:txBody>
-          <a:bodyPr wrap="none" rtlCol="0">
-            <a:spAutoFit/>
-          </a:bodyPr>
-          <a:lstStyle/>
-          <a:p>
-            <a:r>
-              <a:rPr lang="en-US" b="1" dirty="0"/>
-              <a:t>Group Work:</a:t>
-            </a:r>
-            <a:r>
-              <a:rPr lang="en-US" dirty="0"/>
-              <a:t> Problems T3, T4, T5.</a:t>
-            </a:r>
-          </a:p>
-        </p:txBody>
-      </p:sp>
     </p:spTree>
     <p:extLst>
       <p:ext uri="{BB962C8B-B14F-4D97-AF65-F5344CB8AC3E}">
-        <p14:creationId xmlns:p14="http://schemas.microsoft.com/office/powerpoint/2010/main" val="1402472825"/>
+        <p14:creationId xmlns:p14="http://schemas.microsoft.com/office/powerpoint/2010/main" val="3833097574"/>
       </p:ext>
     </p:extLst>
   </p:cSld>
@@ -7929,35 +7951,11 @@
           <a:p>
             <a:r>
               <a:rPr lang="en-US" dirty="0"/>
-              <a:t>Binary (Search) Tree</a:t>
-            </a:r>
-          </a:p>
-        </p:txBody>
-      </p:sp>
-      <p:pic>
-        <p:nvPicPr>
-          <p:cNvPr id="7" name="Content Placeholder 6"/>
-          <p:cNvPicPr>
-            <a:picLocks noGrp="1" noChangeAspect="1"/>
-          </p:cNvPicPr>
-          <p:nvPr>
-            <p:ph idx="1"/>
-          </p:nvPr>
-        </p:nvPicPr>
-        <p:blipFill>
-          <a:blip r:embed="rId2"/>
-          <a:srcRect l="-24846" r="-24846"/>
-          <a:stretch>
-            <a:fillRect/>
-          </a:stretch>
-        </p:blipFill>
-        <p:spPr>
-          <a:xfrm>
-            <a:off x="4605266" y="1485152"/>
-            <a:ext cx="5113431" cy="2846652"/>
-          </a:xfrm>
-        </p:spPr>
-      </p:pic>
+              <a:t>Binary tree traversal </a:t>
+            </a:r>
+          </a:p>
+        </p:txBody>
+      </p:sp>
       <p:sp>
         <p:nvSpPr>
           <p:cNvPr id="4" name="Date Placeholder 3"/>
@@ -7982,7 +7980,7 @@
             </a:r>
             <a:fld id="{A9DEA08E-4CB3-E742-9AC2-43959A293033}" type="datetime4">
               <a:rPr lang="en-AU" smtClean="0"/>
-              <a:t>12 April 2021</a:t>
+              <a:t>13 April 2021</a:t>
             </a:fld>
             <a:endParaRPr lang="en-US" dirty="0"/>
           </a:p>
@@ -8045,14 +8043,14 @@
       </p:sp>
       <p:sp>
         <p:nvSpPr>
-          <p:cNvPr id="8" name="TextBox 7"/>
+          <p:cNvPr id="12" name="TextBox 11"/>
           <p:cNvSpPr txBox="1"/>
           <p:nvPr/>
         </p:nvSpPr>
         <p:spPr>
           <a:xfrm>
-            <a:off x="539552" y="1484784"/>
-            <a:ext cx="4833374" cy="3662541"/>
+            <a:off x="179512" y="1311429"/>
+            <a:ext cx="8708901" cy="1323439"/>
           </a:xfrm>
           <a:prstGeom prst="rect">
             <a:avLst/>
@@ -8060,103 +8058,198 @@
           <a:noFill/>
         </p:spPr>
         <p:txBody>
+          <a:bodyPr wrap="square" rtlCol="0">
+            <a:spAutoFit/>
+          </a:bodyPr>
+          <a:lstStyle/>
+          <a:p>
+            <a:r>
+              <a:rPr lang="en-US" sz="2800" dirty="0"/>
+              <a:t>What is </a:t>
+            </a:r>
+            <a:r>
+              <a:rPr lang="en-US" sz="2800" i="1" dirty="0" err="1"/>
+              <a:t>inorder</a:t>
+            </a:r>
+            <a:r>
+              <a:rPr lang="en-US" sz="2800" dirty="0"/>
+              <a:t>, </a:t>
+            </a:r>
+            <a:r>
+              <a:rPr lang="en-US" sz="2800" i="1" dirty="0"/>
+              <a:t>preorder</a:t>
+            </a:r>
+            <a:r>
+              <a:rPr lang="en-US" sz="2800" dirty="0"/>
+              <a:t>, </a:t>
+            </a:r>
+            <a:r>
+              <a:rPr lang="en-US" sz="2800" i="1" dirty="0" err="1"/>
+              <a:t>postorder</a:t>
+            </a:r>
+            <a:r>
+              <a:rPr lang="en-US" sz="2800" i="1" dirty="0"/>
+              <a:t>, </a:t>
+            </a:r>
+            <a:r>
+              <a:rPr lang="en-US" sz="2800" dirty="0"/>
+              <a:t>and</a:t>
+            </a:r>
+            <a:r>
+              <a:rPr lang="en-US" sz="2800" i="1" dirty="0"/>
+              <a:t> level-order</a:t>
+            </a:r>
+            <a:r>
+              <a:rPr lang="en-US" sz="2800" dirty="0"/>
+              <a:t> traversal? Are they BFS or DFS?</a:t>
+            </a:r>
+          </a:p>
+          <a:p>
+            <a:endParaRPr lang="en-US" dirty="0"/>
+          </a:p>
+        </p:txBody>
+      </p:sp>
+      <p:pic>
+        <p:nvPicPr>
+          <p:cNvPr id="8" name="Picture 7"/>
+          <p:cNvPicPr>
+            <a:picLocks noChangeAspect="1"/>
+          </p:cNvPicPr>
+          <p:nvPr/>
+        </p:nvPicPr>
+        <p:blipFill>
+          <a:blip r:embed="rId2"/>
+          <a:stretch>
+            <a:fillRect/>
+          </a:stretch>
+        </p:blipFill>
+        <p:spPr>
+          <a:xfrm>
+            <a:off x="237331" y="2464177"/>
+            <a:ext cx="3060102" cy="1758956"/>
+          </a:xfrm>
+          <a:prstGeom prst="rect">
+            <a:avLst/>
+          </a:prstGeom>
+        </p:spPr>
+      </p:pic>
+      <p:sp>
+        <p:nvSpPr>
+          <p:cNvPr id="10" name="TextBox 9"/>
+          <p:cNvSpPr txBox="1"/>
+          <p:nvPr/>
+        </p:nvSpPr>
+        <p:spPr>
+          <a:xfrm>
+            <a:off x="293688" y="5529600"/>
+            <a:ext cx="5014643" cy="830997"/>
+          </a:xfrm>
+          <a:prstGeom prst="rect">
+            <a:avLst/>
+          </a:prstGeom>
+          <a:noFill/>
+        </p:spPr>
+        <p:txBody>
           <a:bodyPr wrap="none" rtlCol="0">
             <a:spAutoFit/>
           </a:bodyPr>
           <a:lstStyle/>
           <a:p>
-            <a:r>
-              <a:rPr lang="en-US" sz="2000" dirty="0"/>
-              <a:t>How to:</a:t>
-            </a:r>
-          </a:p>
-          <a:p>
-            <a:pPr marL="457200" indent="-457200">
-              <a:buFont typeface="+mj-lt"/>
-              <a:buAutoNum type="arabicPeriod"/>
-            </a:pPr>
-            <a:r>
-              <a:rPr lang="en-US" sz="2000" dirty="0"/>
-              <a:t>print the number in increasing order?</a:t>
-            </a:r>
-          </a:p>
-          <a:p>
-            <a:pPr marL="457200" indent="-457200">
-              <a:buFont typeface="+mj-lt"/>
-              <a:buAutoNum type="arabicPeriod"/>
-            </a:pPr>
-            <a:r>
-              <a:rPr lang="en-US" sz="2000" dirty="0"/>
-              <a:t>print in decreasing order?</a:t>
-            </a:r>
-          </a:p>
-          <a:p>
-            <a:pPr marL="457200" indent="-457200">
-              <a:buFont typeface="+mj-lt"/>
-              <a:buAutoNum type="arabicPeriod"/>
-            </a:pPr>
-            <a:r>
-              <a:rPr lang="en-US" sz="2000" dirty="0"/>
-              <a:t>copy the tree?</a:t>
-            </a:r>
-          </a:p>
-          <a:p>
-            <a:pPr marL="457200" indent="-457200">
-              <a:buFont typeface="+mj-lt"/>
-              <a:buAutoNum type="arabicPeriod"/>
-            </a:pPr>
-            <a:r>
-              <a:rPr lang="en-US" sz="2000" dirty="0"/>
-              <a:t>free the tree?</a:t>
-            </a:r>
-          </a:p>
-          <a:p>
-            <a:endParaRPr lang="en-US" dirty="0"/>
-          </a:p>
-          <a:p>
+            <a:endParaRPr lang="en-US" b="1" dirty="0"/>
+          </a:p>
+          <a:p>
+            <a:r>
+              <a:rPr lang="en-US" b="1" dirty="0"/>
+              <a:t>Group Work:</a:t>
+            </a:r>
             <a:r>
               <a:rPr lang="en-US" dirty="0"/>
-              <a:t>Your notes:</a:t>
-            </a:r>
-          </a:p>
-          <a:p>
-            <a:pPr marL="457200" indent="-457200">
-              <a:buFont typeface="+mj-lt"/>
-              <a:buAutoNum type="arabicPeriod"/>
-            </a:pPr>
-            <a:r>
-              <a:rPr lang="en-US" sz="2000" dirty="0"/>
-              <a:t> </a:t>
-            </a:r>
-          </a:p>
-          <a:p>
-            <a:pPr marL="457200" indent="-457200">
-              <a:buFont typeface="+mj-lt"/>
-              <a:buAutoNum type="arabicPeriod"/>
-            </a:pPr>
-            <a:r>
-              <a:rPr lang="en-US" sz="2000" dirty="0"/>
-              <a:t> </a:t>
-            </a:r>
-          </a:p>
-          <a:p>
-            <a:pPr marL="457200" indent="-457200">
-              <a:buFont typeface="+mj-lt"/>
-              <a:buAutoNum type="arabicPeriod"/>
-            </a:pPr>
-            <a:r>
-              <a:rPr lang="en-US" sz="2000" dirty="0"/>
-              <a:t> </a:t>
-            </a:r>
-          </a:p>
-          <a:p>
-            <a:pPr marL="457200" indent="-457200">
-              <a:buFont typeface="+mj-lt"/>
-              <a:buAutoNum type="arabicPeriod"/>
-            </a:pPr>
-            <a:r>
-              <a:rPr lang="en-US" sz="2000" dirty="0"/>
-              <a:t> </a:t>
+              <a:t> Problems T3, T4, T5.</a:t>
+            </a:r>
+          </a:p>
+        </p:txBody>
+      </p:sp>
+      <p:pic>
+        <p:nvPicPr>
+          <p:cNvPr id="9" name="Content Placeholder 6">
+            <a:extLst>
+              <a:ext uri="{FF2B5EF4-FFF2-40B4-BE49-F238E27FC236}">
+                <a16:creationId xmlns:a16="http://schemas.microsoft.com/office/drawing/2014/main" id="{6ED9D9E6-C4A5-4F66-B8DF-3019EAA09F97}"/>
+              </a:ext>
+            </a:extLst>
+          </p:cNvPr>
+          <p:cNvPicPr>
+            <a:picLocks noGrp="1" noChangeAspect="1"/>
+          </p:cNvPicPr>
+          <p:nvPr>
+            <p:ph idx="1"/>
+          </p:nvPr>
+        </p:nvPicPr>
+        <p:blipFill>
+          <a:blip r:embed="rId3"/>
+          <a:srcRect l="-24846" r="-24846"/>
+          <a:stretch>
+            <a:fillRect/>
+          </a:stretch>
+        </p:blipFill>
+        <p:spPr>
+          <a:xfrm>
+            <a:off x="4455800" y="2275144"/>
+            <a:ext cx="4012883" cy="2233976"/>
+          </a:xfrm>
+        </p:spPr>
+      </p:pic>
+      <p:sp>
+        <p:nvSpPr>
+          <p:cNvPr id="3" name="TextBox 2">
+            <a:extLst>
+              <a:ext uri="{FF2B5EF4-FFF2-40B4-BE49-F238E27FC236}">
+                <a16:creationId xmlns:a16="http://schemas.microsoft.com/office/drawing/2014/main" id="{6669F1FE-237D-4506-BD31-6D859B219825}"/>
+              </a:ext>
+            </a:extLst>
+          </p:cNvPr>
+          <p:cNvSpPr txBox="1"/>
+          <p:nvPr/>
+        </p:nvSpPr>
+        <p:spPr>
+          <a:xfrm>
+            <a:off x="4572000" y="4941168"/>
+            <a:ext cx="4176464" cy="923330"/>
+          </a:xfrm>
+          <a:prstGeom prst="rect">
+            <a:avLst/>
+          </a:prstGeom>
+          <a:noFill/>
+        </p:spPr>
+        <p:txBody>
+          <a:bodyPr wrap="square" rtlCol="0">
+            <a:spAutoFit/>
+          </a:bodyPr>
+          <a:lstStyle/>
+          <a:p>
+            <a:r>
+              <a:rPr lang="en-US" sz="1800" dirty="0" err="1"/>
+              <a:t>Inorder</a:t>
+            </a:r>
+            <a:r>
+              <a:rPr lang="en-US" sz="1800" dirty="0"/>
+              <a:t>:</a:t>
+            </a:r>
+          </a:p>
+          <a:p>
+            <a:r>
+              <a:rPr lang="en-US" sz="1800" dirty="0"/>
+              <a:t>Preorder:</a:t>
+            </a:r>
+          </a:p>
+          <a:p>
+            <a:r>
+              <a:rPr lang="en-US" sz="1800" dirty="0" err="1"/>
+              <a:t>Postorder</a:t>
+            </a:r>
+            <a:r>
+              <a:rPr lang="en-US" sz="1800" dirty="0"/>
+              <a:t>:</a:t>
             </a:r>
           </a:p>
         </p:txBody>
@@ -8164,7 +8257,7 @@
     </p:spTree>
     <p:extLst>
       <p:ext uri="{BB962C8B-B14F-4D97-AF65-F5344CB8AC3E}">
-        <p14:creationId xmlns:p14="http://schemas.microsoft.com/office/powerpoint/2010/main" val="352624918"/>
+        <p14:creationId xmlns:p14="http://schemas.microsoft.com/office/powerpoint/2010/main" val="1402472825"/>
       </p:ext>
     </p:extLst>
   </p:cSld>

--- a/06_C207_21S1.pptx
+++ b/06_C207_21S1.pptx
@@ -286,7 +286,7 @@
               <a:pPr>
                 <a:defRPr/>
               </a:pPr>
-              <a:t>4/13/2021</a:t>
+              <a:t>4/13/21</a:t>
             </a:fld>
             <a:endParaRPr lang="en-US"/>
           </a:p>
@@ -484,7 +484,7 @@
               <a:pPr>
                 <a:defRPr/>
               </a:pPr>
-              <a:t>4/13/2021</a:t>
+              <a:t>4/13/21</a:t>
             </a:fld>
             <a:endParaRPr lang="en-US"/>
           </a:p>
@@ -1478,14 +1478,14 @@
           </a:ln>
           <a:extLst>
             <a:ext uri="{909E8E84-426E-40dd-AFC4-6F175D3DCCD1}">
-              <a14:hiddenFill xmlns:a14="http://schemas.microsoft.com/office/drawing/2010/main" xmlns="">
+              <a14:hiddenFill xmlns="" xmlns:a14="http://schemas.microsoft.com/office/drawing/2010/main">
                 <a:solidFill>
                   <a:srgbClr val="FFFFFF"/>
                 </a:solidFill>
               </a14:hiddenFill>
             </a:ext>
             <a:ext uri="{91240B29-F687-4f45-9708-019B960494DF}">
-              <a14:hiddenLine xmlns:a14="http://schemas.microsoft.com/office/drawing/2010/main" xmlns="" w="9525">
+              <a14:hiddenLine xmlns="" xmlns:a14="http://schemas.microsoft.com/office/drawing/2010/main" w="9525">
                 <a:solidFill>
                   <a:srgbClr val="000000"/>
                 </a:solidFill>
@@ -1495,7 +1495,7 @@
               </a14:hiddenLine>
             </a:ext>
             <a:ext uri="{FAA26D3D-D897-4be2-8F04-BA451C77F1D7}">
-              <ma14:placeholderFlag xmlns:ma14="http://schemas.microsoft.com/office/mac/drawingml/2011/main" xmlns="" val="1"/>
+              <ma14:placeholderFlag xmlns="" xmlns:ma14="http://schemas.microsoft.com/office/mac/drawingml/2011/main" val="1"/>
             </a:ext>
           </a:extLst>
         </p:spPr>
@@ -1539,14 +1539,14 @@
           </a:ln>
           <a:extLst>
             <a:ext uri="{909E8E84-426E-40dd-AFC4-6F175D3DCCD1}">
-              <a14:hiddenFill xmlns:a14="http://schemas.microsoft.com/office/drawing/2010/main" xmlns="">
+              <a14:hiddenFill xmlns="" xmlns:a14="http://schemas.microsoft.com/office/drawing/2010/main">
                 <a:solidFill>
                   <a:srgbClr val="FFFFFF"/>
                 </a:solidFill>
               </a14:hiddenFill>
             </a:ext>
             <a:ext uri="{91240B29-F687-4f45-9708-019B960494DF}">
-              <a14:hiddenLine xmlns:a14="http://schemas.microsoft.com/office/drawing/2010/main" xmlns="" w="9525">
+              <a14:hiddenLine xmlns="" xmlns:a14="http://schemas.microsoft.com/office/drawing/2010/main" w="9525">
                 <a:solidFill>
                   <a:srgbClr val="000000"/>
                 </a:solidFill>
@@ -1556,7 +1556,7 @@
               </a14:hiddenLine>
             </a:ext>
             <a:ext uri="{FAA26D3D-D897-4be2-8F04-BA451C77F1D7}">
-              <ma14:placeholderFlag xmlns:ma14="http://schemas.microsoft.com/office/mac/drawingml/2011/main" xmlns="" val="1"/>
+              <ma14:placeholderFlag xmlns="" xmlns:ma14="http://schemas.microsoft.com/office/mac/drawingml/2011/main" val="1"/>
             </a:ext>
           </a:extLst>
         </p:spPr>
@@ -2298,8 +2298,17 @@
               <a:rPr lang="en-US" dirty="0">
                 <a:latin typeface="News Gothic MT" charset="0"/>
               </a:rPr>
-              <a:t>COMP20007 Workshop Week 7</a:t>
-            </a:r>
+              <a:t>COMP20007 Workshop </a:t>
+            </a:r>
+            <a:r>
+              <a:rPr lang="en-US">
+                <a:latin typeface="News Gothic MT" charset="0"/>
+              </a:rPr>
+              <a:t>Week 6</a:t>
+            </a:r>
+            <a:endParaRPr lang="en-US" dirty="0">
+              <a:latin typeface="News Gothic MT" charset="0"/>
+            </a:endParaRPr>
           </a:p>
         </p:txBody>
       </p:sp>
@@ -2317,14 +2326,14 @@
           <a:noFill/>
           <a:extLst>
             <a:ext uri="{909E8E84-426E-40dd-AFC4-6F175D3DCCD1}">
-              <a14:hiddenFill xmlns:a14="http://schemas.microsoft.com/office/drawing/2010/main" xmlns="">
+              <a14:hiddenFill xmlns="" xmlns:a14="http://schemas.microsoft.com/office/drawing/2010/main">
                 <a:solidFill>
                   <a:srgbClr val="FFFFFF"/>
                 </a:solidFill>
               </a14:hiddenFill>
             </a:ext>
             <a:ext uri="{91240B29-F687-4f45-9708-019B960494DF}">
-              <a14:hiddenLine xmlns:a14="http://schemas.microsoft.com/office/drawing/2010/main" xmlns="" w="9525">
+              <a14:hiddenLine xmlns="" xmlns:a14="http://schemas.microsoft.com/office/drawing/2010/main" w="9525">
                 <a:solidFill>
                   <a:srgbClr val="000000"/>
                 </a:solidFill>
@@ -2485,14 +2494,14 @@
           <a:noFill/>
           <a:extLst>
             <a:ext uri="{909E8E84-426E-40dd-AFC4-6F175D3DCCD1}">
-              <a14:hiddenFill xmlns:a14="http://schemas.microsoft.com/office/drawing/2010/main" xmlns="">
+              <a14:hiddenFill xmlns="" xmlns:a14="http://schemas.microsoft.com/office/drawing/2010/main">
                 <a:solidFill>
                   <a:srgbClr val="FFFFFF"/>
                 </a:solidFill>
               </a14:hiddenFill>
             </a:ext>
             <a:ext uri="{91240B29-F687-4f45-9708-019B960494DF}">
-              <a14:hiddenLine xmlns:a14="http://schemas.microsoft.com/office/drawing/2010/main" xmlns="" w="9525">
+              <a14:hiddenLine xmlns="" xmlns:a14="http://schemas.microsoft.com/office/drawing/2010/main" w="9525">
                 <a:solidFill>
                   <a:srgbClr val="000000"/>
                 </a:solidFill>
@@ -2644,14 +2653,14 @@
           <a:noFill/>
           <a:extLst>
             <a:ext uri="{909E8E84-426E-40dd-AFC4-6F175D3DCCD1}">
-              <a14:hiddenFill xmlns:a14="http://schemas.microsoft.com/office/drawing/2010/main" xmlns="">
+              <a14:hiddenFill xmlns="" xmlns:a14="http://schemas.microsoft.com/office/drawing/2010/main">
                 <a:solidFill>
                   <a:srgbClr val="FFFFFF"/>
                 </a:solidFill>
               </a14:hiddenFill>
             </a:ext>
             <a:ext uri="{91240B29-F687-4f45-9708-019B960494DF}">
-              <a14:hiddenLine xmlns:a14="http://schemas.microsoft.com/office/drawing/2010/main" xmlns="" w="9525">
+              <a14:hiddenLine xmlns="" xmlns:a14="http://schemas.microsoft.com/office/drawing/2010/main" w="9525">
                 <a:solidFill>
                   <a:srgbClr val="000000"/>
                 </a:solidFill>
@@ -3070,13 +3079,8 @@
                       </a:r>
                       <a:r>
                         <a:rPr lang="en-US" sz="2000" b="0" baseline="0" dirty="0"/>
-                        <a:t> </a:t>
+                        <a:t> Problems 2, 3, 4</a:t>
                       </a:r>
-                      <a:r>
-                        <a:rPr lang="en-US" sz="2000" b="0" baseline="0"/>
-                        <a:t>Problems 2, 3, 4</a:t>
-                      </a:r>
-                      <a:endParaRPr lang="en-US" sz="2000" b="0" baseline="0" dirty="0"/>
                     </a:p>
                     <a:p>
                       <a:pPr>

--- a/06_C207_21S1.pptx
+++ b/06_C207_21S1.pptx
@@ -5,10 +5,10 @@
     <p:sldMasterId id="2147483660" r:id="rId1"/>
   </p:sldMasterIdLst>
   <p:notesMasterIdLst>
-    <p:notesMasterId r:id="rId18"/>
+    <p:notesMasterId r:id="rId19"/>
   </p:notesMasterIdLst>
   <p:handoutMasterIdLst>
-    <p:handoutMasterId r:id="rId19"/>
+    <p:handoutMasterId r:id="rId20"/>
   </p:handoutMasterIdLst>
   <p:sldIdLst>
     <p:sldId id="545" r:id="rId2"/>
@@ -22,11 +22,12 @@
     <p:sldId id="535" r:id="rId10"/>
     <p:sldId id="539" r:id="rId11"/>
     <p:sldId id="544" r:id="rId12"/>
-    <p:sldId id="550" r:id="rId13"/>
-    <p:sldId id="536" r:id="rId14"/>
-    <p:sldId id="537" r:id="rId15"/>
-    <p:sldId id="552" r:id="rId16"/>
-    <p:sldId id="553" r:id="rId17"/>
+    <p:sldId id="554" r:id="rId13"/>
+    <p:sldId id="550" r:id="rId14"/>
+    <p:sldId id="536" r:id="rId15"/>
+    <p:sldId id="537" r:id="rId16"/>
+    <p:sldId id="552" r:id="rId17"/>
+    <p:sldId id="553" r:id="rId18"/>
   </p:sldIdLst>
   <p:sldSz cx="9144000" cy="6858000" type="screen4x3"/>
   <p:notesSz cx="6858000" cy="9144000"/>
@@ -286,7 +287,7 @@
               <a:pPr>
                 <a:defRPr/>
               </a:pPr>
-              <a:t>4/13/21</a:t>
+              <a:t>4/16/21</a:t>
             </a:fld>
             <a:endParaRPr lang="en-US"/>
           </a:p>
@@ -484,7 +485,7 @@
               <a:pPr>
                 <a:defRPr/>
               </a:pPr>
-              <a:t>4/13/21</a:t>
+              <a:t>4/16/21</a:t>
             </a:fld>
             <a:endParaRPr lang="en-US"/>
           </a:p>
@@ -1043,7 +1044,7 @@
             </a:r>
             <a:fld id="{34199234-A25A-904C-9B74-56A4A07707A6}" type="datetime4">
               <a:rPr lang="en-AU" smtClean="0"/>
-              <a:t>13 April 2021</a:t>
+              <a:t>16 April 2021</a:t>
             </a:fld>
             <a:endParaRPr lang="en-US" dirty="0"/>
           </a:p>
@@ -1351,7 +1352,7 @@
             </a:r>
             <a:fld id="{A9DEA08E-4CB3-E742-9AC2-43959A293033}" type="datetime4">
               <a:rPr lang="en-AU" smtClean="0"/>
-              <a:t>13 April 2021</a:t>
+              <a:t>16 April 2021</a:t>
             </a:fld>
             <a:endParaRPr lang="en-US" dirty="0"/>
           </a:p>
@@ -1478,14 +1479,14 @@
           </a:ln>
           <a:extLst>
             <a:ext uri="{909E8E84-426E-40dd-AFC4-6F175D3DCCD1}">
-              <a14:hiddenFill xmlns="" xmlns:a14="http://schemas.microsoft.com/office/drawing/2010/main">
+              <a14:hiddenFill xmlns:a14="http://schemas.microsoft.com/office/drawing/2010/main" xmlns="">
                 <a:solidFill>
                   <a:srgbClr val="FFFFFF"/>
                 </a:solidFill>
               </a14:hiddenFill>
             </a:ext>
             <a:ext uri="{91240B29-F687-4f45-9708-019B960494DF}">
-              <a14:hiddenLine xmlns="" xmlns:a14="http://schemas.microsoft.com/office/drawing/2010/main" w="9525">
+              <a14:hiddenLine xmlns:a14="http://schemas.microsoft.com/office/drawing/2010/main" xmlns="" w="9525">
                 <a:solidFill>
                   <a:srgbClr val="000000"/>
                 </a:solidFill>
@@ -1495,7 +1496,7 @@
               </a14:hiddenLine>
             </a:ext>
             <a:ext uri="{FAA26D3D-D897-4be2-8F04-BA451C77F1D7}">
-              <ma14:placeholderFlag xmlns="" xmlns:ma14="http://schemas.microsoft.com/office/mac/drawingml/2011/main" val="1"/>
+              <ma14:placeholderFlag xmlns:ma14="http://schemas.microsoft.com/office/mac/drawingml/2011/main" xmlns="" val="1"/>
             </a:ext>
           </a:extLst>
         </p:spPr>
@@ -1539,14 +1540,14 @@
           </a:ln>
           <a:extLst>
             <a:ext uri="{909E8E84-426E-40dd-AFC4-6F175D3DCCD1}">
-              <a14:hiddenFill xmlns="" xmlns:a14="http://schemas.microsoft.com/office/drawing/2010/main">
+              <a14:hiddenFill xmlns:a14="http://schemas.microsoft.com/office/drawing/2010/main" xmlns="">
                 <a:solidFill>
                   <a:srgbClr val="FFFFFF"/>
                 </a:solidFill>
               </a14:hiddenFill>
             </a:ext>
             <a:ext uri="{91240B29-F687-4f45-9708-019B960494DF}">
-              <a14:hiddenLine xmlns="" xmlns:a14="http://schemas.microsoft.com/office/drawing/2010/main" w="9525">
+              <a14:hiddenLine xmlns:a14="http://schemas.microsoft.com/office/drawing/2010/main" xmlns="" w="9525">
                 <a:solidFill>
                   <a:srgbClr val="000000"/>
                 </a:solidFill>
@@ -1556,7 +1557,7 @@
               </a14:hiddenLine>
             </a:ext>
             <a:ext uri="{FAA26D3D-D897-4be2-8F04-BA451C77F1D7}">
-              <ma14:placeholderFlag xmlns="" xmlns:ma14="http://schemas.microsoft.com/office/mac/drawingml/2011/main" val="1"/>
+              <ma14:placeholderFlag xmlns:ma14="http://schemas.microsoft.com/office/mac/drawingml/2011/main" xmlns="" val="1"/>
             </a:ext>
           </a:extLst>
         </p:spPr>
@@ -1648,7 +1649,7 @@
             </a:r>
             <a:fld id="{C36B4625-443B-BA4A-9C4D-9655F853EDD2}" type="datetime4">
               <a:rPr lang="en-AU" smtClean="0"/>
-              <a:t>13 April 2021</a:t>
+              <a:t>16 April 2021</a:t>
             </a:fld>
             <a:endParaRPr lang="en-US" dirty="0"/>
           </a:p>
@@ -2326,14 +2327,14 @@
           <a:noFill/>
           <a:extLst>
             <a:ext uri="{909E8E84-426E-40dd-AFC4-6F175D3DCCD1}">
-              <a14:hiddenFill xmlns="" xmlns:a14="http://schemas.microsoft.com/office/drawing/2010/main">
+              <a14:hiddenFill xmlns:a14="http://schemas.microsoft.com/office/drawing/2010/main" xmlns="">
                 <a:solidFill>
                   <a:srgbClr val="FFFFFF"/>
                 </a:solidFill>
               </a14:hiddenFill>
             </a:ext>
             <a:ext uri="{91240B29-F687-4f45-9708-019B960494DF}">
-              <a14:hiddenLine xmlns="" xmlns:a14="http://schemas.microsoft.com/office/drawing/2010/main" w="9525">
+              <a14:hiddenLine xmlns:a14="http://schemas.microsoft.com/office/drawing/2010/main" xmlns="" w="9525">
                 <a:solidFill>
                   <a:srgbClr val="000000"/>
                 </a:solidFill>
@@ -2470,7 +2471,7 @@
                   <a:schemeClr val="bg1"/>
                 </a:solidFill>
               </a:rPr>
-              <a:t>13 April 2021</a:t>
+              <a:t>16 April 2021</a:t>
             </a:fld>
             <a:endParaRPr lang="en-US" sz="1200" dirty="0">
               <a:solidFill>
@@ -2494,14 +2495,14 @@
           <a:noFill/>
           <a:extLst>
             <a:ext uri="{909E8E84-426E-40dd-AFC4-6F175D3DCCD1}">
-              <a14:hiddenFill xmlns="" xmlns:a14="http://schemas.microsoft.com/office/drawing/2010/main">
+              <a14:hiddenFill xmlns:a14="http://schemas.microsoft.com/office/drawing/2010/main" xmlns="">
                 <a:solidFill>
                   <a:srgbClr val="FFFFFF"/>
                 </a:solidFill>
               </a14:hiddenFill>
             </a:ext>
             <a:ext uri="{91240B29-F687-4f45-9708-019B960494DF}">
-              <a14:hiddenLine xmlns="" xmlns:a14="http://schemas.microsoft.com/office/drawing/2010/main" w="9525">
+              <a14:hiddenLine xmlns:a14="http://schemas.microsoft.com/office/drawing/2010/main" xmlns="" w="9525">
                 <a:solidFill>
                   <a:srgbClr val="000000"/>
                 </a:solidFill>
@@ -2653,14 +2654,14 @@
           <a:noFill/>
           <a:extLst>
             <a:ext uri="{909E8E84-426E-40dd-AFC4-6F175D3DCCD1}">
-              <a14:hiddenFill xmlns="" xmlns:a14="http://schemas.microsoft.com/office/drawing/2010/main">
+              <a14:hiddenFill xmlns:a14="http://schemas.microsoft.com/office/drawing/2010/main" xmlns="">
                 <a:solidFill>
                   <a:srgbClr val="FFFFFF"/>
                 </a:solidFill>
               </a14:hiddenFill>
             </a:ext>
             <a:ext uri="{91240B29-F687-4f45-9708-019B960494DF}">
-              <a14:hiddenLine xmlns="" xmlns:a14="http://schemas.microsoft.com/office/drawing/2010/main" w="9525">
+              <a14:hiddenLine xmlns:a14="http://schemas.microsoft.com/office/drawing/2010/main" xmlns="" w="9525">
                 <a:solidFill>
                   <a:srgbClr val="000000"/>
                 </a:solidFill>
@@ -2810,7 +2811,7 @@
             <p:ph idx="1"/>
             <p:extLst>
               <p:ext uri="{D42A27DB-BD31-4B8C-83A1-F6EECF244321}">
-                <p14:modId xmlns:p14="http://schemas.microsoft.com/office/powerpoint/2010/main" val="3335054540"/>
+                <p14:modId xmlns:p14="http://schemas.microsoft.com/office/powerpoint/2010/main" val="1892238434"/>
               </p:ext>
             </p:extLst>
           </p:nvPr>
@@ -3075,7 +3076,15 @@
                       </a:pPr>
                       <a:r>
                         <a:rPr lang="en-US" sz="2000" b="1" i="1" baseline="0" dirty="0"/>
-                        <a:t>  Group Work:</a:t>
+                        <a:t>  Group</a:t>
+                      </a:r>
+                      <a:r>
+                        <a:rPr lang="en-US" sz="2000" b="1" i="1" baseline="0"/>
+                        <a:t>/Individual </a:t>
+                      </a:r>
+                      <a:r>
+                        <a:rPr lang="en-US" sz="2000" b="1" i="1" baseline="0" dirty="0"/>
+                        <a:t>Work:</a:t>
                       </a:r>
                       <a:r>
                         <a:rPr lang="en-US" sz="2000" b="0" baseline="0" dirty="0"/>
@@ -3232,7 +3241,7 @@
             </a:r>
             <a:fld id="{A9DEA08E-4CB3-E742-9AC2-43959A293033}" type="datetime4">
               <a:rPr lang="en-AU" smtClean="0"/>
-              <a:t>13 April 2021</a:t>
+              <a:t>16 April 2021</a:t>
             </a:fld>
             <a:endParaRPr lang="en-US" dirty="0"/>
           </a:p>
@@ -3570,7 +3579,7 @@
             </a:r>
             <a:fld id="{A9DEA08E-4CB3-E742-9AC2-43959A293033}" type="datetime4">
               <a:rPr lang="en-AU" smtClean="0"/>
-              <a:t>13 April 2021</a:t>
+              <a:t>16 April 2021</a:t>
             </a:fld>
             <a:endParaRPr lang="en-US" dirty="0"/>
           </a:p>
@@ -3781,7 +3790,13 @@
       </p:grpSpPr>
       <p:sp>
         <p:nvSpPr>
-          <p:cNvPr id="2" name="Title 1"/>
+          <p:cNvPr id="2" name="Title 1">
+            <a:extLst>
+              <a:ext uri="{FF2B5EF4-FFF2-40B4-BE49-F238E27FC236}">
+                <a16:creationId xmlns:a16="http://schemas.microsoft.com/office/drawing/2014/main" id="{51FB9F77-DA15-F044-97E0-392D83E2EDB3}"/>
+              </a:ext>
+            </a:extLst>
+          </p:cNvPr>
           <p:cNvSpPr>
             <a:spLocks noGrp="1"/>
           </p:cNvSpPr>
@@ -3796,14 +3811,57 @@
           <a:p>
             <a:r>
               <a:rPr lang="en-US" dirty="0"/>
-              <a:t>Problem 2: conventional traversal </a:t>
-            </a:r>
-          </a:p>
-        </p:txBody>
-      </p:sp>
-      <p:sp>
-        <p:nvSpPr>
-          <p:cNvPr id="4" name="Date Placeholder 3"/>
+              <a:t>Group/Individual work</a:t>
+            </a:r>
+          </a:p>
+        </p:txBody>
+      </p:sp>
+      <p:sp>
+        <p:nvSpPr>
+          <p:cNvPr id="3" name="Content Placeholder 2">
+            <a:extLst>
+              <a:ext uri="{FF2B5EF4-FFF2-40B4-BE49-F238E27FC236}">
+                <a16:creationId xmlns:a16="http://schemas.microsoft.com/office/drawing/2014/main" id="{D4AB598E-D295-D94C-BF46-190AC6B1D52F}"/>
+              </a:ext>
+            </a:extLst>
+          </p:cNvPr>
+          <p:cNvSpPr>
+            <a:spLocks noGrp="1"/>
+          </p:cNvSpPr>
+          <p:nvPr>
+            <p:ph idx="1"/>
+          </p:nvPr>
+        </p:nvSpPr>
+        <p:spPr/>
+        <p:txBody>
+          <a:bodyPr/>
+          <a:lstStyle/>
+          <a:p>
+            <a:pPr marL="0" indent="0">
+              <a:buNone/>
+            </a:pPr>
+            <a:r>
+              <a:rPr lang="en-US" dirty="0"/>
+              <a:t>Problems 2, 3.</a:t>
+            </a:r>
+          </a:p>
+          <a:p>
+            <a:pPr marL="0" indent="0">
+              <a:buNone/>
+            </a:pPr>
+            <a:endParaRPr lang="en-US" dirty="0"/>
+          </a:p>
+        </p:txBody>
+      </p:sp>
+      <p:sp>
+        <p:nvSpPr>
+          <p:cNvPr id="4" name="Date Placeholder 3">
+            <a:extLst>
+              <a:ext uri="{FF2B5EF4-FFF2-40B4-BE49-F238E27FC236}">
+                <a16:creationId xmlns:a16="http://schemas.microsoft.com/office/drawing/2014/main" id="{E297CD91-9120-5743-BD13-E052E5A468EC}"/>
+              </a:ext>
+            </a:extLst>
+          </p:cNvPr>
           <p:cNvSpPr>
             <a:spLocks noGrp="1"/>
           </p:cNvSpPr>
@@ -3825,7 +3883,7 @@
             </a:r>
             <a:fld id="{A9DEA08E-4CB3-E742-9AC2-43959A293033}" type="datetime4">
               <a:rPr lang="en-AU" smtClean="0"/>
-              <a:t>13 April 2021</a:t>
+              <a:t>16 April 2021</a:t>
             </a:fld>
             <a:endParaRPr lang="en-US" dirty="0"/>
           </a:p>
@@ -3833,7 +3891,13 @@
       </p:sp>
       <p:sp>
         <p:nvSpPr>
-          <p:cNvPr id="5" name="Footer Placeholder 4"/>
+          <p:cNvPr id="5" name="Footer Placeholder 4">
+            <a:extLst>
+              <a:ext uri="{FF2B5EF4-FFF2-40B4-BE49-F238E27FC236}">
+                <a16:creationId xmlns:a16="http://schemas.microsoft.com/office/drawing/2014/main" id="{3EB94076-1C34-0643-9788-0D716FE474FB}"/>
+              </a:ext>
+            </a:extLst>
+          </p:cNvPr>
           <p:cNvSpPr>
             <a:spLocks noGrp="1"/>
           </p:cNvSpPr>
@@ -3859,7 +3923,13 @@
       </p:sp>
       <p:sp>
         <p:nvSpPr>
-          <p:cNvPr id="6" name="Slide Number Placeholder 5"/>
+          <p:cNvPr id="6" name="Slide Number Placeholder 5">
+            <a:extLst>
+              <a:ext uri="{FF2B5EF4-FFF2-40B4-BE49-F238E27FC236}">
+                <a16:creationId xmlns:a16="http://schemas.microsoft.com/office/drawing/2014/main" id="{F3220BE1-A246-9D49-9DEA-18E89F5866D3}"/>
+              </a:ext>
+            </a:extLst>
+          </p:cNvPr>
           <p:cNvSpPr>
             <a:spLocks noGrp="1"/>
           </p:cNvSpPr>
@@ -3886,160 +3956,10 @@
           </a:p>
         </p:txBody>
       </p:sp>
-      <p:pic>
-        <p:nvPicPr>
-          <p:cNvPr id="11" name="Content Placeholder 10"/>
-          <p:cNvPicPr>
-            <a:picLocks noGrp="1" noChangeAspect="1"/>
-          </p:cNvPicPr>
-          <p:nvPr>
-            <p:ph idx="1"/>
-          </p:nvPr>
-        </p:nvPicPr>
-        <p:blipFill rotWithShape="1">
-          <a:blip r:embed="rId2"/>
-          <a:srcRect l="-11728" t="-58606" r="-96932" b="-1"/>
-          <a:stretch/>
-        </p:blipFill>
-        <p:spPr>
-          <a:xfrm>
-            <a:off x="-617011" y="620688"/>
-            <a:ext cx="9390063" cy="5227638"/>
-          </a:xfrm>
-        </p:spPr>
-      </p:pic>
-      <p:sp>
-        <p:nvSpPr>
-          <p:cNvPr id="12" name="TextBox 11"/>
-          <p:cNvSpPr txBox="1"/>
-          <p:nvPr/>
-        </p:nvSpPr>
-        <p:spPr>
-          <a:xfrm>
-            <a:off x="179512" y="1311429"/>
-            <a:ext cx="8708901" cy="1200328"/>
-          </a:xfrm>
-          <a:prstGeom prst="rect">
-            <a:avLst/>
-          </a:prstGeom>
-          <a:noFill/>
-        </p:spPr>
-        <p:txBody>
-          <a:bodyPr wrap="square" rtlCol="0">
-            <a:spAutoFit/>
-          </a:bodyPr>
-          <a:lstStyle/>
-          <a:p>
-            <a:r>
-              <a:rPr lang="en-US" dirty="0"/>
-              <a:t>Write the </a:t>
-            </a:r>
-            <a:r>
-              <a:rPr lang="en-US" i="1" dirty="0" err="1"/>
-              <a:t>inorder</a:t>
-            </a:r>
-            <a:r>
-              <a:rPr lang="en-US" dirty="0"/>
-              <a:t>, </a:t>
-            </a:r>
-            <a:r>
-              <a:rPr lang="en-US" i="1" dirty="0"/>
-              <a:t>preorder</a:t>
-            </a:r>
-            <a:r>
-              <a:rPr lang="en-US" dirty="0"/>
-              <a:t> and </a:t>
-            </a:r>
-            <a:r>
-              <a:rPr lang="en-US" i="1" dirty="0" err="1"/>
-              <a:t>postorder</a:t>
-            </a:r>
-            <a:r>
-              <a:rPr lang="en-US" dirty="0"/>
-              <a:t> traversals of </a:t>
-            </a:r>
-          </a:p>
-          <a:p>
-            <a:r>
-              <a:rPr lang="en-US" dirty="0"/>
-              <a:t>the following binary tree: </a:t>
-            </a:r>
-          </a:p>
-          <a:p>
-            <a:endParaRPr lang="en-US" dirty="0"/>
-          </a:p>
-        </p:txBody>
-      </p:sp>
-      <p:sp>
-        <p:nvSpPr>
-          <p:cNvPr id="3" name="TextBox 2"/>
-          <p:cNvSpPr txBox="1"/>
-          <p:nvPr/>
-        </p:nvSpPr>
-        <p:spPr>
-          <a:xfrm>
-            <a:off x="4644008" y="2382835"/>
-            <a:ext cx="3528392" cy="2862322"/>
-          </a:xfrm>
-          <a:prstGeom prst="rect">
-            <a:avLst/>
-          </a:prstGeom>
-          <a:noFill/>
-        </p:spPr>
-        <p:txBody>
-          <a:bodyPr wrap="square" rtlCol="0">
-            <a:spAutoFit/>
-          </a:bodyPr>
-          <a:lstStyle/>
-          <a:p>
-            <a:r>
-              <a:rPr lang="en-US" sz="2000" b="1" dirty="0">
-                <a:solidFill>
-                  <a:srgbClr val="000090"/>
-                </a:solidFill>
-              </a:rPr>
-              <a:t>YOUR ANSWER:</a:t>
-            </a:r>
-          </a:p>
-          <a:p>
-            <a:r>
-              <a:rPr lang="en-US" sz="2000" dirty="0"/>
-              <a:t>In-order:</a:t>
-            </a:r>
-          </a:p>
-          <a:p>
-            <a:endParaRPr lang="en-US" sz="2000" dirty="0"/>
-          </a:p>
-          <a:p>
-            <a:endParaRPr lang="en-US" sz="2000" dirty="0"/>
-          </a:p>
-          <a:p>
-            <a:r>
-              <a:rPr lang="en-US" sz="2000" dirty="0"/>
-              <a:t>Pre-order:</a:t>
-            </a:r>
-          </a:p>
-          <a:p>
-            <a:endParaRPr lang="en-US" sz="2000" dirty="0"/>
-          </a:p>
-          <a:p>
-            <a:endParaRPr lang="en-US" sz="2000" dirty="0"/>
-          </a:p>
-          <a:p>
-            <a:r>
-              <a:rPr lang="en-US" sz="2000" dirty="0"/>
-              <a:t>Post-order:</a:t>
-            </a:r>
-          </a:p>
-          <a:p>
-            <a:endParaRPr lang="en-US" sz="2000" dirty="0"/>
-          </a:p>
-        </p:txBody>
-      </p:sp>
     </p:spTree>
     <p:extLst>
       <p:ext uri="{BB962C8B-B14F-4D97-AF65-F5344CB8AC3E}">
-        <p14:creationId xmlns:p14="http://schemas.microsoft.com/office/powerpoint/2010/main" val="3945068549"/>
+        <p14:creationId xmlns:p14="http://schemas.microsoft.com/office/powerpoint/2010/main" val="2531573140"/>
       </p:ext>
     </p:extLst>
   </p:cSld>
@@ -4083,7 +4003,7 @@
           <a:p>
             <a:r>
               <a:rPr lang="en-US" dirty="0"/>
-              <a:t>Problem 3:  level-order traversal</a:t>
+              <a:t>Problem 2: conventional traversal </a:t>
             </a:r>
           </a:p>
         </p:txBody>
@@ -4112,7 +4032,7 @@
             </a:r>
             <a:fld id="{A9DEA08E-4CB3-E742-9AC2-43959A293033}" type="datetime4">
               <a:rPr lang="en-AU" smtClean="0"/>
-              <a:t>13 April 2021</a:t>
+              <a:t>16 April 2021</a:t>
             </a:fld>
             <a:endParaRPr lang="en-US" dirty="0"/>
           </a:p>
@@ -4190,7 +4110,7 @@
         </p:blipFill>
         <p:spPr>
           <a:xfrm>
-            <a:off x="-612576" y="1257980"/>
+            <a:off x="-617011" y="620688"/>
             <a:ext cx="9390063" cy="5227638"/>
           </a:xfrm>
         </p:spPr>
@@ -4204,7 +4124,7 @@
         <p:spPr>
           <a:xfrm>
             <a:off x="179512" y="1311429"/>
-            <a:ext cx="8708901" cy="1569660"/>
+            <a:ext cx="8708901" cy="1200328"/>
           </a:xfrm>
           <a:prstGeom prst="rect">
             <a:avLst/>
@@ -4219,52 +4139,62 @@
           <a:p>
             <a:r>
               <a:rPr lang="en-US" dirty="0"/>
-              <a:t>Level-order: visit level-by-level, left-to-right, starting from the root (which is in 0-th level). </a:t>
-            </a:r>
-          </a:p>
-          <a:p>
-            <a:pPr marL="514350" indent="-514350">
-              <a:buFont typeface="+mj-lt"/>
-              <a:buAutoNum type="alphaLcParenR"/>
-            </a:pPr>
+              <a:t>Write the </a:t>
+            </a:r>
+            <a:r>
+              <a:rPr lang="en-US" i="1" dirty="0" err="1"/>
+              <a:t>inorder</a:t>
+            </a:r>
             <a:r>
               <a:rPr lang="en-US" dirty="0"/>
-              <a:t>For the tree below, what’s the visited order?</a:t>
-            </a:r>
-          </a:p>
-          <a:p>
-            <a:pPr marL="514350" indent="-514350">
-              <a:buFont typeface="+mj-lt"/>
-              <a:buAutoNum type="alphaLcParenR"/>
-            </a:pPr>
-            <a:r>
-              <a:rPr lang="en-US" dirty="0">
-                <a:solidFill>
-                  <a:srgbClr val="A6A6A6"/>
-                </a:solidFill>
-              </a:rPr>
-              <a:t>Write the level-order pseudo-code.</a:t>
-            </a:r>
-          </a:p>
-        </p:txBody>
-      </p:sp>
-      <p:sp>
-        <p:nvSpPr>
-          <p:cNvPr id="3" name="Rectangle 2"/>
-          <p:cNvSpPr/>
+              <a:t>, </a:t>
+            </a:r>
+            <a:r>
+              <a:rPr lang="en-US" i="1" dirty="0"/>
+              <a:t>preorder</a:t>
+            </a:r>
+            <a:r>
+              <a:rPr lang="en-US" dirty="0"/>
+              <a:t> and </a:t>
+            </a:r>
+            <a:r>
+              <a:rPr lang="en-US" i="1" dirty="0" err="1"/>
+              <a:t>postorder</a:t>
+            </a:r>
+            <a:r>
+              <a:rPr lang="en-US" dirty="0"/>
+              <a:t> traversals of </a:t>
+            </a:r>
+          </a:p>
+          <a:p>
+            <a:r>
+              <a:rPr lang="en-US" dirty="0"/>
+              <a:t>the following binary tree: </a:t>
+            </a:r>
+          </a:p>
+          <a:p>
+            <a:endParaRPr lang="en-US" dirty="0"/>
+          </a:p>
+        </p:txBody>
+      </p:sp>
+      <p:sp>
+        <p:nvSpPr>
+          <p:cNvPr id="3" name="TextBox 2"/>
+          <p:cNvSpPr txBox="1"/>
           <p:nvPr/>
         </p:nvSpPr>
         <p:spPr>
           <a:xfrm>
-            <a:off x="4572000" y="3284984"/>
-            <a:ext cx="4572000" cy="1323439"/>
+            <a:off x="4644008" y="2382835"/>
+            <a:ext cx="3528392" cy="2862322"/>
           </a:xfrm>
           <a:prstGeom prst="rect">
             <a:avLst/>
           </a:prstGeom>
+          <a:noFill/>
         </p:spPr>
         <p:txBody>
-          <a:bodyPr>
+          <a:bodyPr wrap="square" rtlCol="0">
             <a:spAutoFit/>
           </a:bodyPr>
           <a:lstStyle/>
@@ -4281,11 +4211,32 @@
           <a:p>
             <a:r>
               <a:rPr lang="en-US" sz="2000" dirty="0"/>
-              <a:t>Level-order:</a:t>
+              <a:t>In-order:</a:t>
             </a:r>
           </a:p>
           <a:p>
             <a:endParaRPr lang="en-US" sz="2000" dirty="0"/>
+          </a:p>
+          <a:p>
+            <a:endParaRPr lang="en-US" sz="2000" dirty="0"/>
+          </a:p>
+          <a:p>
+            <a:r>
+              <a:rPr lang="en-US" sz="2000" dirty="0"/>
+              <a:t>Pre-order:</a:t>
+            </a:r>
+          </a:p>
+          <a:p>
+            <a:endParaRPr lang="en-US" sz="2000" dirty="0"/>
+          </a:p>
+          <a:p>
+            <a:endParaRPr lang="en-US" sz="2000" dirty="0"/>
+          </a:p>
+          <a:p>
+            <a:r>
+              <a:rPr lang="en-US" sz="2000" dirty="0"/>
+              <a:t>Post-order:</a:t>
+            </a:r>
           </a:p>
           <a:p>
             <a:endParaRPr lang="en-US" sz="2000" dirty="0"/>
@@ -4295,7 +4246,7 @@
     </p:spTree>
     <p:extLst>
       <p:ext uri="{BB962C8B-B14F-4D97-AF65-F5344CB8AC3E}">
-        <p14:creationId xmlns:p14="http://schemas.microsoft.com/office/powerpoint/2010/main" val="1542523049"/>
+        <p14:creationId xmlns:p14="http://schemas.microsoft.com/office/powerpoint/2010/main" val="3945068549"/>
       </p:ext>
     </p:extLst>
   </p:cSld>
@@ -4332,18 +4283,13 @@
             <p:ph type="title"/>
           </p:nvPr>
         </p:nvSpPr>
-        <p:spPr>
-          <a:xfrm>
-            <a:off x="253184" y="-243408"/>
-            <a:ext cx="8623300" cy="920750"/>
-          </a:xfrm>
-        </p:spPr>
+        <p:spPr/>
         <p:txBody>
           <a:bodyPr/>
           <a:lstStyle/>
           <a:p>
             <a:r>
-              <a:rPr lang="en-US" sz="2800" dirty="0"/>
+              <a:rPr lang="en-US" dirty="0"/>
               <a:t>Problem 3:  level-order traversal</a:t>
             </a:r>
           </a:p>
@@ -4373,7 +4319,7 @@
             </a:r>
             <a:fld id="{A9DEA08E-4CB3-E742-9AC2-43959A293033}" type="datetime4">
               <a:rPr lang="en-AU" smtClean="0"/>
-              <a:t>13 April 2021</a:t>
+              <a:t>16 April 2021</a:t>
             </a:fld>
             <a:endParaRPr lang="en-US" dirty="0"/>
           </a:p>
@@ -4434,6 +4380,28 @@
           </a:p>
         </p:txBody>
       </p:sp>
+      <p:pic>
+        <p:nvPicPr>
+          <p:cNvPr id="11" name="Content Placeholder 10"/>
+          <p:cNvPicPr>
+            <a:picLocks noGrp="1" noChangeAspect="1"/>
+          </p:cNvPicPr>
+          <p:nvPr>
+            <p:ph idx="1"/>
+          </p:nvPr>
+        </p:nvPicPr>
+        <p:blipFill rotWithShape="1">
+          <a:blip r:embed="rId2"/>
+          <a:srcRect l="-11728" t="-58606" r="-96932" b="-1"/>
+          <a:stretch/>
+        </p:blipFill>
+        <p:spPr>
+          <a:xfrm>
+            <a:off x="-612576" y="1257980"/>
+            <a:ext cx="9390063" cy="5227638"/>
+          </a:xfrm>
+        </p:spPr>
+      </p:pic>
       <p:sp>
         <p:nvSpPr>
           <p:cNvPr id="12" name="TextBox 11"/>
@@ -4442,8 +4410,8 @@
         </p:nvSpPr>
         <p:spPr>
           <a:xfrm>
-            <a:off x="179512" y="733471"/>
-            <a:ext cx="8708901" cy="1323439"/>
+            <a:off x="179512" y="1311429"/>
+            <a:ext cx="8708901" cy="1569660"/>
           </a:xfrm>
           <a:prstGeom prst="rect">
             <a:avLst/>
@@ -4457,7 +4425,7 @@
           <a:lstStyle/>
           <a:p>
             <a:r>
-              <a:rPr lang="en-US" sz="2000" dirty="0"/>
+              <a:rPr lang="en-US" dirty="0"/>
               <a:t>Level-order: visit level-by-level, left-to-right, starting from the root (which is in 0-th level). </a:t>
             </a:r>
           </a:p>
@@ -4467,13 +4435,7 @@
               <a:buAutoNum type="alphaLcParenR"/>
             </a:pPr>
             <a:r>
-              <a:rPr lang="en-US" sz="2000" dirty="0">
-                <a:solidFill>
-                  <a:schemeClr val="bg1">
-                    <a:lumMod val="65000"/>
-                  </a:schemeClr>
-                </a:solidFill>
-              </a:rPr>
+              <a:rPr lang="en-US" dirty="0"/>
               <a:t>For the tree below, what’s the visited order?</a:t>
             </a:r>
           </a:p>
@@ -4483,7 +4445,11 @@
               <a:buAutoNum type="alphaLcParenR"/>
             </a:pPr>
             <a:r>
-              <a:rPr lang="en-US" sz="2000" dirty="0"/>
+              <a:rPr lang="en-US" dirty="0">
+                <a:solidFill>
+                  <a:srgbClr val="A6A6A6"/>
+                </a:solidFill>
+              </a:rPr>
               <a:t>Write the level-order pseudo-code.</a:t>
             </a:r>
           </a:p>
@@ -4491,149 +4457,52 @@
       </p:sp>
       <p:sp>
         <p:nvSpPr>
-          <p:cNvPr id="3" name="TextBox 2"/>
-          <p:cNvSpPr txBox="1"/>
+          <p:cNvPr id="3" name="Rectangle 2"/>
+          <p:cNvSpPr/>
           <p:nvPr/>
         </p:nvSpPr>
         <p:spPr>
           <a:xfrm>
-            <a:off x="253184" y="2420888"/>
-            <a:ext cx="8423272" cy="2862322"/>
+            <a:off x="4572000" y="3284984"/>
+            <a:ext cx="4572000" cy="1323439"/>
           </a:xfrm>
           <a:prstGeom prst="rect">
             <a:avLst/>
           </a:prstGeom>
-          <a:noFill/>
         </p:spPr>
         <p:txBody>
-          <a:bodyPr wrap="square" rtlCol="0">
+          <a:bodyPr>
             <a:spAutoFit/>
           </a:bodyPr>
           <a:lstStyle/>
           <a:p>
             <a:r>
+              <a:rPr lang="en-US" sz="2000" b="1" dirty="0">
+                <a:solidFill>
+                  <a:srgbClr val="000090"/>
+                </a:solidFill>
+              </a:rPr>
+              <a:t>YOUR ANSWER:</a:t>
+            </a:r>
+          </a:p>
+          <a:p>
+            <a:r>
               <a:rPr lang="en-US" sz="2000" dirty="0"/>
-              <a:t>YOUR ANSWER: The </a:t>
-            </a:r>
-            <a:r>
-              <a:rPr lang="en-US" sz="2000" dirty="0" err="1"/>
-              <a:t>pseudocode</a:t>
-            </a:r>
-            <a:r>
-              <a:rPr lang="en-US" sz="2000" dirty="0"/>
-              <a:t>:</a:t>
-            </a:r>
-          </a:p>
-          <a:p>
-            <a:r>
-              <a:rPr lang="en-US" sz="2000" dirty="0">
-                <a:solidFill>
-                  <a:srgbClr val="000090"/>
-                </a:solidFill>
-                <a:latin typeface="Courier"/>
-                <a:cs typeface="Courier"/>
-              </a:rPr>
-              <a:t>function </a:t>
-            </a:r>
-            <a:r>
-              <a:rPr lang="en-US" sz="2000" dirty="0" err="1">
-                <a:solidFill>
-                  <a:srgbClr val="000090"/>
-                </a:solidFill>
-                <a:latin typeface="Courier"/>
-                <a:cs typeface="Courier"/>
-              </a:rPr>
-              <a:t>LevelOrder</a:t>
-            </a:r>
-            <a:r>
-              <a:rPr lang="en-US" sz="2000" dirty="0">
-                <a:solidFill>
-                  <a:srgbClr val="000090"/>
-                </a:solidFill>
-                <a:latin typeface="Courier"/>
-                <a:cs typeface="Courier"/>
-              </a:rPr>
-              <a:t>( T )</a:t>
-            </a:r>
-          </a:p>
-          <a:p>
-            <a:r>
-              <a:rPr lang="en-US" sz="2000" dirty="0">
-                <a:solidFill>
-                  <a:srgbClr val="000090"/>
-                </a:solidFill>
-                <a:latin typeface="Courier"/>
-                <a:cs typeface="Courier"/>
-              </a:rPr>
-              <a:t>   </a:t>
-            </a:r>
-          </a:p>
-          <a:p>
-            <a:r>
-              <a:rPr lang="en-US" sz="2000" dirty="0">
-                <a:solidFill>
-                  <a:srgbClr val="000090"/>
-                </a:solidFill>
-                <a:latin typeface="Courier"/>
-                <a:cs typeface="Courier"/>
-              </a:rPr>
-              <a:t>   </a:t>
-            </a:r>
-          </a:p>
-          <a:p>
-            <a:r>
-              <a:rPr lang="en-US" sz="2000" dirty="0">
-                <a:solidFill>
-                  <a:srgbClr val="000090"/>
-                </a:solidFill>
-                <a:latin typeface="Courier"/>
-                <a:cs typeface="Courier"/>
-              </a:rPr>
-              <a:t>   </a:t>
-            </a:r>
-          </a:p>
-          <a:p>
-            <a:endParaRPr lang="en-US" sz="2000" dirty="0">
-              <a:solidFill>
-                <a:srgbClr val="000090"/>
-              </a:solidFill>
-              <a:latin typeface="Courier"/>
-              <a:cs typeface="Courier"/>
-            </a:endParaRPr>
-          </a:p>
-          <a:p>
-            <a:endParaRPr lang="en-US" sz="2000" dirty="0">
-              <a:solidFill>
-                <a:srgbClr val="000090"/>
-              </a:solidFill>
-              <a:latin typeface="Courier"/>
-              <a:cs typeface="Courier"/>
-            </a:endParaRPr>
-          </a:p>
-          <a:p>
-            <a:endParaRPr lang="en-US" sz="2000" dirty="0">
-              <a:solidFill>
-                <a:srgbClr val="000090"/>
-              </a:solidFill>
-              <a:latin typeface="Courier"/>
-              <a:cs typeface="Courier"/>
-            </a:endParaRPr>
-          </a:p>
-          <a:p>
-            <a:endParaRPr lang="en-US" sz="2000" dirty="0">
-              <a:solidFill>
-                <a:srgbClr val="000090"/>
-              </a:solidFill>
-              <a:latin typeface="Courier"/>
-              <a:cs typeface="Courier"/>
-            </a:endParaRPr>
+              <a:t>Level-order:</a:t>
+            </a:r>
+          </a:p>
+          <a:p>
+            <a:endParaRPr lang="en-US" sz="2000" dirty="0"/>
+          </a:p>
+          <a:p>
+            <a:endParaRPr lang="en-US" sz="2000" dirty="0"/>
           </a:p>
         </p:txBody>
       </p:sp>
     </p:spTree>
     <p:extLst>
       <p:ext uri="{BB962C8B-B14F-4D97-AF65-F5344CB8AC3E}">
-        <p14:creationId xmlns:p14="http://schemas.microsoft.com/office/powerpoint/2010/main" val="2290456308"/>
+        <p14:creationId xmlns:p14="http://schemas.microsoft.com/office/powerpoint/2010/main" val="1542523049"/>
       </p:ext>
     </p:extLst>
   </p:cSld>
@@ -4662,13 +4531,7 @@
       </p:grpSpPr>
       <p:sp>
         <p:nvSpPr>
-          <p:cNvPr id="2" name="Title 1">
-            <a:extLst>
-              <a:ext uri="{FF2B5EF4-FFF2-40B4-BE49-F238E27FC236}">
-                <a16:creationId xmlns:a16="http://schemas.microsoft.com/office/drawing/2014/main" id="{B6E65DEB-FCD2-694A-8BDD-0BDFB24488CD}"/>
-              </a:ext>
-            </a:extLst>
-          </p:cNvPr>
+          <p:cNvPr id="2" name="Title 1"/>
           <p:cNvSpPr>
             <a:spLocks noGrp="1"/>
           </p:cNvSpPr>
@@ -4676,122 +4539,26 @@
             <p:ph type="title"/>
           </p:nvPr>
         </p:nvSpPr>
-        <p:spPr/>
+        <p:spPr>
+          <a:xfrm>
+            <a:off x="253184" y="-243408"/>
+            <a:ext cx="8623300" cy="920750"/>
+          </a:xfrm>
+        </p:spPr>
         <p:txBody>
           <a:bodyPr/>
           <a:lstStyle/>
           <a:p>
             <a:r>
-              <a:rPr lang="en-US" dirty="0"/>
-              <a:t>LAB</a:t>
-            </a:r>
-          </a:p>
-        </p:txBody>
-      </p:sp>
-      <p:sp>
-        <p:nvSpPr>
-          <p:cNvPr id="3" name="Content Placeholder 2">
-            <a:extLst>
-              <a:ext uri="{FF2B5EF4-FFF2-40B4-BE49-F238E27FC236}">
-                <a16:creationId xmlns:a16="http://schemas.microsoft.com/office/drawing/2014/main" id="{5E42C563-A357-344F-AE62-F1DC128A33EA}"/>
-              </a:ext>
-            </a:extLst>
-          </p:cNvPr>
-          <p:cNvSpPr>
-            <a:spLocks noGrp="1"/>
-          </p:cNvSpPr>
-          <p:nvPr>
-            <p:ph idx="1"/>
-          </p:nvPr>
-        </p:nvSpPr>
-        <p:spPr/>
-        <p:txBody>
-          <a:bodyPr/>
-          <a:lstStyle/>
-          <a:p>
-            <a:pPr marL="0" indent="0">
-              <a:buNone/>
-            </a:pPr>
-            <a:r>
-              <a:rPr lang="en-US" dirty="0">
-                <a:solidFill>
-                  <a:srgbClr val="080FAC"/>
-                </a:solidFill>
-              </a:rPr>
-              <a:t>Assignment 1:</a:t>
-            </a:r>
-          </a:p>
-          <a:p>
-            <a:pPr lvl="1"/>
-            <a:r>
-              <a:rPr lang="en-US" dirty="0"/>
-              <a:t>check &amp; make sure that you can submit </a:t>
-            </a:r>
-            <a:r>
-              <a:rPr lang="en-US" b="1" dirty="0"/>
-              <a:t>right now</a:t>
-            </a:r>
-          </a:p>
-          <a:p>
-            <a:pPr lvl="1"/>
-            <a:r>
-              <a:rPr lang="en-US" dirty="0"/>
-              <a:t>ask questions</a:t>
-            </a:r>
-          </a:p>
-          <a:p>
-            <a:pPr lvl="1"/>
-            <a:r>
-              <a:rPr lang="en-US" dirty="0"/>
-              <a:t>note that you can discuss general problems with your friends but please do not reveal or show your solution and code</a:t>
-            </a:r>
-          </a:p>
-          <a:p>
-            <a:pPr marL="349250" lvl="1" indent="0">
-              <a:buNone/>
-            </a:pPr>
-            <a:endParaRPr lang="en-US" dirty="0"/>
-          </a:p>
-          <a:p>
-            <a:pPr marL="12700" indent="0">
-              <a:buNone/>
-            </a:pPr>
-            <a:r>
-              <a:rPr lang="en-US" sz="2400" dirty="0">
-                <a:solidFill>
-                  <a:srgbClr val="080FAC"/>
-                </a:solidFill>
-              </a:rPr>
-              <a:t>OR:</a:t>
-            </a:r>
-          </a:p>
-          <a:p>
-            <a:pPr marL="469900" indent="-457200"/>
-            <a:r>
-              <a:rPr lang="en-US" sz="2400" dirty="0"/>
-              <a:t>do not-yet-done problems (if any) of previous workshops/lab/lectures</a:t>
-            </a:r>
-          </a:p>
-          <a:p>
-            <a:pPr marL="12700" indent="0">
-              <a:buNone/>
-            </a:pPr>
-            <a:r>
-              <a:rPr lang="en-US" dirty="0"/>
-              <a:t> </a:t>
-            </a:r>
-          </a:p>
-        </p:txBody>
-      </p:sp>
-      <p:sp>
-        <p:nvSpPr>
-          <p:cNvPr id="4" name="Date Placeholder 3">
-            <a:extLst>
-              <a:ext uri="{FF2B5EF4-FFF2-40B4-BE49-F238E27FC236}">
-                <a16:creationId xmlns:a16="http://schemas.microsoft.com/office/drawing/2014/main" id="{B93972B1-E286-9F4D-B20C-56188D3C7C81}"/>
-              </a:ext>
-            </a:extLst>
-          </p:cNvPr>
+              <a:rPr lang="en-US" sz="2800" dirty="0"/>
+              <a:t>Problem 3:  level-order traversal</a:t>
+            </a:r>
+          </a:p>
+        </p:txBody>
+      </p:sp>
+      <p:sp>
+        <p:nvSpPr>
+          <p:cNvPr id="4" name="Date Placeholder 3"/>
           <p:cNvSpPr>
             <a:spLocks noGrp="1"/>
           </p:cNvSpPr>
@@ -4813,7 +4580,7 @@
             </a:r>
             <a:fld id="{A9DEA08E-4CB3-E742-9AC2-43959A293033}" type="datetime4">
               <a:rPr lang="en-AU" smtClean="0"/>
-              <a:t>13 April 2021</a:t>
+              <a:t>16 April 2021</a:t>
             </a:fld>
             <a:endParaRPr lang="en-US" dirty="0"/>
           </a:p>
@@ -4821,13 +4588,7 @@
       </p:sp>
       <p:sp>
         <p:nvSpPr>
-          <p:cNvPr id="5" name="Footer Placeholder 4">
-            <a:extLst>
-              <a:ext uri="{FF2B5EF4-FFF2-40B4-BE49-F238E27FC236}">
-                <a16:creationId xmlns:a16="http://schemas.microsoft.com/office/drawing/2014/main" id="{8ACC17E9-27EF-5C40-AAC7-7C14865D20D8}"/>
-              </a:ext>
-            </a:extLst>
-          </p:cNvPr>
+          <p:cNvPr id="5" name="Footer Placeholder 4"/>
           <p:cNvSpPr>
             <a:spLocks noGrp="1"/>
           </p:cNvSpPr>
@@ -4853,13 +4614,7 @@
       </p:sp>
       <p:sp>
         <p:nvSpPr>
-          <p:cNvPr id="6" name="Slide Number Placeholder 5">
-            <a:extLst>
-              <a:ext uri="{FF2B5EF4-FFF2-40B4-BE49-F238E27FC236}">
-                <a16:creationId xmlns:a16="http://schemas.microsoft.com/office/drawing/2014/main" id="{0D2023F0-08F1-4B46-B391-4B8A4DBBDDD7}"/>
-              </a:ext>
-            </a:extLst>
-          </p:cNvPr>
+          <p:cNvPr id="6" name="Slide Number Placeholder 5"/>
           <p:cNvSpPr>
             <a:spLocks noGrp="1"/>
           </p:cNvSpPr>
@@ -4886,10 +4641,206 @@
           </a:p>
         </p:txBody>
       </p:sp>
+      <p:sp>
+        <p:nvSpPr>
+          <p:cNvPr id="12" name="TextBox 11"/>
+          <p:cNvSpPr txBox="1"/>
+          <p:nvPr/>
+        </p:nvSpPr>
+        <p:spPr>
+          <a:xfrm>
+            <a:off x="179512" y="733471"/>
+            <a:ext cx="8708901" cy="1323439"/>
+          </a:xfrm>
+          <a:prstGeom prst="rect">
+            <a:avLst/>
+          </a:prstGeom>
+          <a:noFill/>
+        </p:spPr>
+        <p:txBody>
+          <a:bodyPr wrap="square" rtlCol="0">
+            <a:spAutoFit/>
+          </a:bodyPr>
+          <a:lstStyle/>
+          <a:p>
+            <a:r>
+              <a:rPr lang="en-US" sz="2000" dirty="0"/>
+              <a:t>Level-order: visit level-by-level, left-to-right, starting from the root (which is in 0-th level). </a:t>
+            </a:r>
+          </a:p>
+          <a:p>
+            <a:pPr marL="514350" indent="-514350">
+              <a:buFont typeface="+mj-lt"/>
+              <a:buAutoNum type="alphaLcParenR"/>
+            </a:pPr>
+            <a:r>
+              <a:rPr lang="en-US" sz="2000" dirty="0">
+                <a:solidFill>
+                  <a:schemeClr val="bg1">
+                    <a:lumMod val="65000"/>
+                  </a:schemeClr>
+                </a:solidFill>
+              </a:rPr>
+              <a:t>For the tree below, what’s the visited order?</a:t>
+            </a:r>
+          </a:p>
+          <a:p>
+            <a:pPr marL="514350" indent="-514350">
+              <a:buFont typeface="+mj-lt"/>
+              <a:buAutoNum type="alphaLcParenR"/>
+            </a:pPr>
+            <a:r>
+              <a:rPr lang="en-US" sz="2000" dirty="0"/>
+              <a:t>Write the level-order pseudo-code.</a:t>
+            </a:r>
+          </a:p>
+        </p:txBody>
+      </p:sp>
+      <p:sp>
+        <p:nvSpPr>
+          <p:cNvPr id="3" name="TextBox 2"/>
+          <p:cNvSpPr txBox="1"/>
+          <p:nvPr/>
+        </p:nvSpPr>
+        <p:spPr>
+          <a:xfrm>
+            <a:off x="253184" y="2420888"/>
+            <a:ext cx="8423272" cy="2862322"/>
+          </a:xfrm>
+          <a:prstGeom prst="rect">
+            <a:avLst/>
+          </a:prstGeom>
+          <a:noFill/>
+        </p:spPr>
+        <p:txBody>
+          <a:bodyPr wrap="square" rtlCol="0">
+            <a:spAutoFit/>
+          </a:bodyPr>
+          <a:lstStyle/>
+          <a:p>
+            <a:r>
+              <a:rPr lang="en-US" sz="2000" dirty="0"/>
+              <a:t>YOUR ANSWER: The </a:t>
+            </a:r>
+            <a:r>
+              <a:rPr lang="en-US" sz="2000" dirty="0" err="1"/>
+              <a:t>pseudocode</a:t>
+            </a:r>
+            <a:r>
+              <a:rPr lang="en-US" sz="2000" dirty="0"/>
+              <a:t>:</a:t>
+            </a:r>
+          </a:p>
+          <a:p>
+            <a:r>
+              <a:rPr lang="en-US" sz="2000" dirty="0">
+                <a:solidFill>
+                  <a:srgbClr val="000090"/>
+                </a:solidFill>
+                <a:latin typeface="Courier"/>
+                <a:cs typeface="Courier"/>
+              </a:rPr>
+              <a:t>function </a:t>
+            </a:r>
+            <a:r>
+              <a:rPr lang="en-US" sz="2000" dirty="0" err="1">
+                <a:solidFill>
+                  <a:srgbClr val="000090"/>
+                </a:solidFill>
+                <a:latin typeface="Courier"/>
+                <a:cs typeface="Courier"/>
+              </a:rPr>
+              <a:t>LevelOrder</a:t>
+            </a:r>
+            <a:r>
+              <a:rPr lang="en-US" sz="2000" dirty="0">
+                <a:solidFill>
+                  <a:srgbClr val="000090"/>
+                </a:solidFill>
+                <a:latin typeface="Courier"/>
+                <a:cs typeface="Courier"/>
+              </a:rPr>
+              <a:t>( T )</a:t>
+            </a:r>
+          </a:p>
+          <a:p>
+            <a:r>
+              <a:rPr lang="en-US" sz="2000" dirty="0">
+                <a:solidFill>
+                  <a:srgbClr val="000090"/>
+                </a:solidFill>
+                <a:latin typeface="Courier"/>
+                <a:cs typeface="Courier"/>
+              </a:rPr>
+              <a:t>   </a:t>
+            </a:r>
+          </a:p>
+          <a:p>
+            <a:r>
+              <a:rPr lang="en-US" sz="2000" dirty="0">
+                <a:solidFill>
+                  <a:srgbClr val="000090"/>
+                </a:solidFill>
+                <a:latin typeface="Courier"/>
+                <a:cs typeface="Courier"/>
+              </a:rPr>
+              <a:t>   </a:t>
+            </a:r>
+          </a:p>
+          <a:p>
+            <a:r>
+              <a:rPr lang="en-US" sz="2000" dirty="0">
+                <a:solidFill>
+                  <a:srgbClr val="000090"/>
+                </a:solidFill>
+                <a:latin typeface="Courier"/>
+                <a:cs typeface="Courier"/>
+              </a:rPr>
+              <a:t>   </a:t>
+            </a:r>
+          </a:p>
+          <a:p>
+            <a:endParaRPr lang="en-US" sz="2000" dirty="0">
+              <a:solidFill>
+                <a:srgbClr val="000090"/>
+              </a:solidFill>
+              <a:latin typeface="Courier"/>
+              <a:cs typeface="Courier"/>
+            </a:endParaRPr>
+          </a:p>
+          <a:p>
+            <a:endParaRPr lang="en-US" sz="2000" dirty="0">
+              <a:solidFill>
+                <a:srgbClr val="000090"/>
+              </a:solidFill>
+              <a:latin typeface="Courier"/>
+              <a:cs typeface="Courier"/>
+            </a:endParaRPr>
+          </a:p>
+          <a:p>
+            <a:endParaRPr lang="en-US" sz="2000" dirty="0">
+              <a:solidFill>
+                <a:srgbClr val="000090"/>
+              </a:solidFill>
+              <a:latin typeface="Courier"/>
+              <a:cs typeface="Courier"/>
+            </a:endParaRPr>
+          </a:p>
+          <a:p>
+            <a:endParaRPr lang="en-US" sz="2000" dirty="0">
+              <a:solidFill>
+                <a:srgbClr val="000090"/>
+              </a:solidFill>
+              <a:latin typeface="Courier"/>
+              <a:cs typeface="Courier"/>
+            </a:endParaRPr>
+          </a:p>
+        </p:txBody>
+      </p:sp>
     </p:spTree>
     <p:extLst>
       <p:ext uri="{BB962C8B-B14F-4D97-AF65-F5344CB8AC3E}">
-        <p14:creationId xmlns:p14="http://schemas.microsoft.com/office/powerpoint/2010/main" val="604343020"/>
+        <p14:creationId xmlns:p14="http://schemas.microsoft.com/office/powerpoint/2010/main" val="2290456308"/>
       </p:ext>
     </p:extLst>
   </p:cSld>
@@ -4918,6 +4869,262 @@
       </p:grpSpPr>
       <p:sp>
         <p:nvSpPr>
+          <p:cNvPr id="2" name="Title 1">
+            <a:extLst>
+              <a:ext uri="{FF2B5EF4-FFF2-40B4-BE49-F238E27FC236}">
+                <a16:creationId xmlns:a16="http://schemas.microsoft.com/office/drawing/2014/main" id="{B6E65DEB-FCD2-694A-8BDD-0BDFB24488CD}"/>
+              </a:ext>
+            </a:extLst>
+          </p:cNvPr>
+          <p:cNvSpPr>
+            <a:spLocks noGrp="1"/>
+          </p:cNvSpPr>
+          <p:nvPr>
+            <p:ph type="title"/>
+          </p:nvPr>
+        </p:nvSpPr>
+        <p:spPr/>
+        <p:txBody>
+          <a:bodyPr/>
+          <a:lstStyle/>
+          <a:p>
+            <a:r>
+              <a:rPr lang="en-US" dirty="0"/>
+              <a:t>LAB</a:t>
+            </a:r>
+          </a:p>
+        </p:txBody>
+      </p:sp>
+      <p:sp>
+        <p:nvSpPr>
+          <p:cNvPr id="3" name="Content Placeholder 2">
+            <a:extLst>
+              <a:ext uri="{FF2B5EF4-FFF2-40B4-BE49-F238E27FC236}">
+                <a16:creationId xmlns:a16="http://schemas.microsoft.com/office/drawing/2014/main" id="{5E42C563-A357-344F-AE62-F1DC128A33EA}"/>
+              </a:ext>
+            </a:extLst>
+          </p:cNvPr>
+          <p:cNvSpPr>
+            <a:spLocks noGrp="1"/>
+          </p:cNvSpPr>
+          <p:nvPr>
+            <p:ph idx="1"/>
+          </p:nvPr>
+        </p:nvSpPr>
+        <p:spPr/>
+        <p:txBody>
+          <a:bodyPr/>
+          <a:lstStyle/>
+          <a:p>
+            <a:pPr marL="0" indent="0">
+              <a:buNone/>
+            </a:pPr>
+            <a:r>
+              <a:rPr lang="en-US" dirty="0">
+                <a:solidFill>
+                  <a:srgbClr val="080FAC"/>
+                </a:solidFill>
+              </a:rPr>
+              <a:t>Assignment 1:</a:t>
+            </a:r>
+          </a:p>
+          <a:p>
+            <a:pPr lvl="1"/>
+            <a:r>
+              <a:rPr lang="en-US" dirty="0"/>
+              <a:t>ask questions</a:t>
+            </a:r>
+          </a:p>
+          <a:p>
+            <a:pPr lvl="1"/>
+            <a:r>
+              <a:rPr lang="en-US" dirty="0"/>
+              <a:t>note that you can discuss general problems with your friends but please do not reveal or show your solution and code</a:t>
+            </a:r>
+          </a:p>
+          <a:p>
+            <a:pPr lvl="1"/>
+            <a:r>
+              <a:rPr lang="en-US" dirty="0"/>
+              <a:t>final submission </a:t>
+            </a:r>
+            <a:r>
+              <a:rPr lang="en-US" b="1" dirty="0"/>
+              <a:t>right now</a:t>
+            </a:r>
+          </a:p>
+          <a:p>
+            <a:pPr marL="349250" lvl="1" indent="0">
+              <a:buNone/>
+            </a:pPr>
+            <a:endParaRPr lang="en-US" dirty="0"/>
+          </a:p>
+          <a:p>
+            <a:pPr marL="12700" indent="0">
+              <a:buNone/>
+            </a:pPr>
+            <a:r>
+              <a:rPr lang="en-US" sz="2400" dirty="0">
+                <a:solidFill>
+                  <a:srgbClr val="080FAC"/>
+                </a:solidFill>
+              </a:rPr>
+              <a:t>OR:</a:t>
+            </a:r>
+          </a:p>
+          <a:p>
+            <a:pPr marL="469900" indent="-457200"/>
+            <a:r>
+              <a:rPr lang="en-US" sz="2400" dirty="0"/>
+              <a:t>do not-yet-done problems (if any) of previous workshops/lab/lectures</a:t>
+            </a:r>
+          </a:p>
+          <a:p>
+            <a:pPr marL="12700" indent="0">
+              <a:buNone/>
+            </a:pPr>
+            <a:r>
+              <a:rPr lang="en-US" dirty="0"/>
+              <a:t> </a:t>
+            </a:r>
+          </a:p>
+        </p:txBody>
+      </p:sp>
+      <p:sp>
+        <p:nvSpPr>
+          <p:cNvPr id="4" name="Date Placeholder 3">
+            <a:extLst>
+              <a:ext uri="{FF2B5EF4-FFF2-40B4-BE49-F238E27FC236}">
+                <a16:creationId xmlns:a16="http://schemas.microsoft.com/office/drawing/2014/main" id="{B93972B1-E286-9F4D-B20C-56188D3C7C81}"/>
+              </a:ext>
+            </a:extLst>
+          </p:cNvPr>
+          <p:cNvSpPr>
+            <a:spLocks noGrp="1"/>
+          </p:cNvSpPr>
+          <p:nvPr>
+            <p:ph type="dt" sz="half" idx="10"/>
+          </p:nvPr>
+        </p:nvSpPr>
+        <p:spPr/>
+        <p:txBody>
+          <a:bodyPr/>
+          <a:lstStyle/>
+          <a:p>
+            <a:pPr>
+              <a:defRPr/>
+            </a:pPr>
+            <a:r>
+              <a:rPr lang="en-AU"/>
+              <a:t>Anh Vo    </a:t>
+            </a:r>
+            <a:fld id="{A9DEA08E-4CB3-E742-9AC2-43959A293033}" type="datetime4">
+              <a:rPr lang="en-AU" smtClean="0"/>
+              <a:t>16 April 2021</a:t>
+            </a:fld>
+            <a:endParaRPr lang="en-US" dirty="0"/>
+          </a:p>
+        </p:txBody>
+      </p:sp>
+      <p:sp>
+        <p:nvSpPr>
+          <p:cNvPr id="5" name="Footer Placeholder 4">
+            <a:extLst>
+              <a:ext uri="{FF2B5EF4-FFF2-40B4-BE49-F238E27FC236}">
+                <a16:creationId xmlns:a16="http://schemas.microsoft.com/office/drawing/2014/main" id="{8ACC17E9-27EF-5C40-AAC7-7C14865D20D8}"/>
+              </a:ext>
+            </a:extLst>
+          </p:cNvPr>
+          <p:cNvSpPr>
+            <a:spLocks noGrp="1"/>
+          </p:cNvSpPr>
+          <p:nvPr>
+            <p:ph type="ftr" sz="quarter" idx="11"/>
+          </p:nvPr>
+        </p:nvSpPr>
+        <p:spPr/>
+        <p:txBody>
+          <a:bodyPr/>
+          <a:lstStyle/>
+          <a:p>
+            <a:pPr>
+              <a:defRPr/>
+            </a:pPr>
+            <a:r>
+              <a:rPr lang="en-US"/>
+              <a:t>COMP20007.Worshop</a:t>
+            </a:r>
+            <a:endParaRPr lang="en-US" dirty="0"/>
+          </a:p>
+        </p:txBody>
+      </p:sp>
+      <p:sp>
+        <p:nvSpPr>
+          <p:cNvPr id="6" name="Slide Number Placeholder 5">
+            <a:extLst>
+              <a:ext uri="{FF2B5EF4-FFF2-40B4-BE49-F238E27FC236}">
+                <a16:creationId xmlns:a16="http://schemas.microsoft.com/office/drawing/2014/main" id="{0D2023F0-08F1-4B46-B391-4B8A4DBBDDD7}"/>
+              </a:ext>
+            </a:extLst>
+          </p:cNvPr>
+          <p:cNvSpPr>
+            <a:spLocks noGrp="1"/>
+          </p:cNvSpPr>
+          <p:nvPr>
+            <p:ph type="sldNum" sz="quarter" idx="12"/>
+          </p:nvPr>
+        </p:nvSpPr>
+        <p:spPr/>
+        <p:txBody>
+          <a:bodyPr/>
+          <a:lstStyle/>
+          <a:p>
+            <a:pPr>
+              <a:defRPr/>
+            </a:pPr>
+            <a:fld id="{F9610808-8E44-6F46-B441-732A53FE435D}" type="slidenum">
+              <a:rPr lang="en-US" smtClean="0"/>
+              <a:pPr>
+                <a:defRPr/>
+              </a:pPr>
+              <a:t>16</a:t>
+            </a:fld>
+            <a:endParaRPr lang="en-US" dirty="0"/>
+          </a:p>
+        </p:txBody>
+      </p:sp>
+    </p:spTree>
+    <p:extLst>
+      <p:ext uri="{BB962C8B-B14F-4D97-AF65-F5344CB8AC3E}">
+        <p14:creationId xmlns:p14="http://schemas.microsoft.com/office/powerpoint/2010/main" val="604343020"/>
+      </p:ext>
+    </p:extLst>
+  </p:cSld>
+  <p:clrMapOvr>
+    <a:masterClrMapping/>
+  </p:clrMapOvr>
+</p:sld>
+</file>
+
+<file path=ppt/slides/slide17.xml><?xml version="1.0" encoding="utf-8"?>
+<p:sld xmlns:a="http://schemas.openxmlformats.org/drawingml/2006/main" xmlns:r="http://schemas.openxmlformats.org/officeDocument/2006/relationships" xmlns:p="http://schemas.openxmlformats.org/presentationml/2006/main">
+  <p:cSld>
+    <p:spTree>
+      <p:nvGrpSpPr>
+        <p:cNvPr id="1" name=""/>
+        <p:cNvGrpSpPr/>
+        <p:nvPr/>
+      </p:nvGrpSpPr>
+      <p:grpSpPr>
+        <a:xfrm>
+          <a:off x="0" y="0"/>
+          <a:ext cx="0" cy="0"/>
+          <a:chOff x="0" y="0"/>
+          <a:chExt cx="0" cy="0"/>
+        </a:xfrm>
+      </p:grpSpPr>
+      <p:sp>
+        <p:nvSpPr>
           <p:cNvPr id="2" name="Title 1"/>
           <p:cNvSpPr>
             <a:spLocks noGrp="1"/>
@@ -5148,7 +5355,7 @@
             </a:r>
             <a:fld id="{A9DEA08E-4CB3-E742-9AC2-43959A293033}" type="datetime4">
               <a:rPr lang="en-AU" smtClean="0"/>
-              <a:t>13 April 2021</a:t>
+              <a:t>16 April 2021</a:t>
             </a:fld>
             <a:endParaRPr lang="en-US" dirty="0"/>
           </a:p>
@@ -5202,7 +5409,7 @@
               <a:pPr>
                 <a:defRPr/>
               </a:pPr>
-              <a:t>16</a:t>
+              <a:t>17</a:t>
             </a:fld>
             <a:endParaRPr lang="en-US" dirty="0"/>
           </a:p>
@@ -5449,7 +5656,7 @@
             </a:r>
             <a:fld id="{A9DEA08E-4CB3-E742-9AC2-43959A293033}" type="datetime4">
               <a:rPr lang="en-AU" smtClean="0"/>
-              <a:t>13 April 2021</a:t>
+              <a:t>16 April 2021</a:t>
             </a:fld>
             <a:endParaRPr lang="en-US" dirty="0"/>
           </a:p>
@@ -5657,6 +5864,9 @@
           <a:lstStyle/>
           <a:p>
             <a:pPr marL="0" indent="0">
+              <a:spcBef>
+                <a:spcPts val="800"/>
+              </a:spcBef>
               <a:buNone/>
             </a:pPr>
             <a:r>
@@ -5685,11 +5895,46 @@
             </a:r>
           </a:p>
           <a:p>
-            <a:pPr marL="0" indent="0">
-              <a:buNone/>
+            <a:pPr>
+              <a:spcBef>
+                <a:spcPts val="800"/>
+              </a:spcBef>
+            </a:pPr>
+            <a:r>
+              <a:rPr lang="en-US" sz="2200" i="1" dirty="0">
+                <a:solidFill>
+                  <a:srgbClr val="C00000"/>
+                </a:solidFill>
+                <a:effectLst/>
+              </a:rPr>
+              <a:t>Manually run the algorithm for the graph below.</a:t>
+            </a:r>
+          </a:p>
+          <a:p>
+            <a:pPr>
+              <a:spcBef>
+                <a:spcPts val="800"/>
+              </a:spcBef>
             </a:pPr>
             <a:r>
               <a:rPr lang="en-US" sz="2200" dirty="0">
+                <a:solidFill>
+                  <a:schemeClr val="tx2">
+                    <a:lumMod val="75000"/>
+                    <a:lumOff val="25000"/>
+                  </a:schemeClr>
+                </a:solidFill>
+                <a:effectLst/>
+              </a:rPr>
+              <a:t>On your own time: </a:t>
+            </a:r>
+            <a:r>
+              <a:rPr lang="en-US" sz="2200" dirty="0">
+                <a:solidFill>
+                  <a:schemeClr val="bg2">
+                    <a:lumMod val="50000"/>
+                  </a:schemeClr>
+                </a:solidFill>
                 <a:effectLst/>
               </a:rPr>
               <a:t>What’s the complexity of this algorithm if using adjacency matrix? list?</a:t>
@@ -5727,7 +5972,7 @@
             </a:r>
             <a:fld id="{A9DEA08E-4CB3-E742-9AC2-43959A293033}" type="datetime4">
               <a:rPr lang="en-AU" smtClean="0"/>
-              <a:t>13 April 2021</a:t>
+              <a:t>16 April 2021</a:t>
             </a:fld>
             <a:endParaRPr lang="en-US" dirty="0"/>
           </a:p>
@@ -5804,7 +6049,7 @@
         </p:blipFill>
         <p:spPr>
           <a:xfrm>
-            <a:off x="456363" y="2924944"/>
+            <a:off x="438882" y="3420169"/>
             <a:ext cx="3081908" cy="1781525"/>
           </a:xfrm>
           <a:prstGeom prst="rect">
@@ -5826,7 +6071,7 @@
         </p:nvSpPr>
         <p:spPr>
           <a:xfrm>
-            <a:off x="4172681" y="2633053"/>
+            <a:off x="4172681" y="3035028"/>
             <a:ext cx="4532437" cy="3240360"/>
           </a:xfrm>
           <a:prstGeom prst="roundRect">
@@ -6030,7 +6275,61 @@
               </a:rPr>
               <a:t> (discussed in lectures) involves running a DFS on the DAG and keeping track of the order in which the vertices are popped from the stack. The topological ordering will be the reverse of this order. </a:t>
             </a:r>
-            <a:endParaRPr lang="en-US" sz="2000" dirty="0"/>
+          </a:p>
+          <a:p>
+            <a:pPr>
+              <a:spcBef>
+                <a:spcPts val="800"/>
+              </a:spcBef>
+            </a:pPr>
+            <a:r>
+              <a:rPr lang="en-US" sz="2000" i="1" dirty="0">
+                <a:solidFill>
+                  <a:srgbClr val="C00000"/>
+                </a:solidFill>
+                <a:effectLst/>
+              </a:rPr>
+              <a:t>Manually run the algorithm for the graph below.</a:t>
+            </a:r>
+            <a:endParaRPr lang="en-US" sz="2000" i="1" dirty="0">
+              <a:solidFill>
+                <a:srgbClr val="C00000"/>
+              </a:solidFill>
+            </a:endParaRPr>
+          </a:p>
+          <a:p>
+            <a:pPr>
+              <a:spcBef>
+                <a:spcPts val="800"/>
+              </a:spcBef>
+            </a:pPr>
+            <a:r>
+              <a:rPr lang="en-US" sz="2000" i="1" dirty="0">
+                <a:solidFill>
+                  <a:srgbClr val="C00000"/>
+                </a:solidFill>
+                <a:effectLst/>
+              </a:rPr>
+              <a:t>What’s the complexity if using adjacency lists for graphs? </a:t>
+            </a:r>
+            <a:r>
+              <a:rPr lang="en-US" sz="2000" i="1" dirty="0" err="1">
+                <a:solidFill>
+                  <a:srgbClr val="C00000"/>
+                </a:solidFill>
+                <a:effectLst/>
+              </a:rPr>
+              <a:t>adj</a:t>
+            </a:r>
+            <a:r>
+              <a:rPr lang="en-US" sz="2000" i="1" dirty="0">
+                <a:solidFill>
+                  <a:srgbClr val="C00000"/>
+                </a:solidFill>
+                <a:effectLst/>
+              </a:rPr>
+              <a:t> matrix?</a:t>
+            </a:r>
           </a:p>
           <a:p>
             <a:pPr marL="0" indent="0">
@@ -6043,20 +6342,9 @@
               <a:rPr lang="en-US" sz="2000" dirty="0">
                 <a:effectLst/>
               </a:rPr>
-              <a:t>What’s the complexity if using adjacency lists for graphs? </a:t>
-            </a:r>
-            <a:r>
-              <a:rPr lang="en-US" sz="2000" dirty="0" err="1">
-                <a:effectLst/>
-              </a:rPr>
-              <a:t>adj</a:t>
-            </a:r>
-            <a:r>
-              <a:rPr lang="en-US" sz="2000" dirty="0">
-                <a:effectLst/>
-              </a:rPr>
-              <a:t> matrix?</a:t>
-            </a:r>
+              <a:t>How to have the pop-order?</a:t>
+            </a:r>
+            <a:endParaRPr lang="en-US" sz="2000" dirty="0"/>
           </a:p>
           <a:p>
             <a:pPr marL="0" indent="0">
@@ -6065,20 +6353,6 @@
               </a:spcBef>
               <a:buNone/>
             </a:pPr>
-            <a:r>
-              <a:rPr lang="en-US" sz="2000" dirty="0">
-                <a:effectLst/>
-              </a:rPr>
-              <a:t>How to have the pop-order?</a:t>
-            </a:r>
-            <a:endParaRPr lang="en-US" sz="2000" dirty="0"/>
-          </a:p>
-          <a:p>
-            <a:pPr>
-              <a:spcBef>
-                <a:spcPts val="800"/>
-              </a:spcBef>
-            </a:pPr>
             <a:endParaRPr lang="en-US" sz="2000" dirty="0"/>
           </a:p>
         </p:txBody>
@@ -6107,7 +6381,7 @@
             </a:r>
             <a:fld id="{A9DEA08E-4CB3-E742-9AC2-43959A293033}" type="datetime4">
               <a:rPr lang="en-AU" smtClean="0"/>
-              <a:t>13 April 2021</a:t>
+              <a:t>16 April 2021</a:t>
             </a:fld>
             <a:endParaRPr lang="en-US" dirty="0"/>
           </a:p>
@@ -6206,7 +6480,7 @@
         </p:nvSpPr>
         <p:spPr>
           <a:xfrm>
-            <a:off x="4172681" y="2258312"/>
+            <a:off x="4172681" y="2932033"/>
             <a:ext cx="4532437" cy="3240360"/>
           </a:xfrm>
           <a:prstGeom prst="roundRect">
@@ -6427,7 +6701,7 @@
             </a:r>
             <a:fld id="{A9DEA08E-4CB3-E742-9AC2-43959A293033}" type="datetime4">
               <a:rPr lang="en-AU" smtClean="0"/>
-              <a:t>13 April 2021</a:t>
+              <a:t>16 April 2021</a:t>
             </a:fld>
             <a:endParaRPr lang="en-US" dirty="0"/>
           </a:p>
@@ -6488,54 +6762,6 @@
           </a:p>
         </p:txBody>
       </p:sp>
-      <p:pic>
-        <p:nvPicPr>
-          <p:cNvPr id="8" name="Picture 7"/>
-          <p:cNvPicPr>
-            <a:picLocks noChangeAspect="1"/>
-          </p:cNvPicPr>
-          <p:nvPr/>
-        </p:nvPicPr>
-        <p:blipFill>
-          <a:blip r:embed="rId2"/>
-          <a:stretch>
-            <a:fillRect/>
-          </a:stretch>
-        </p:blipFill>
-        <p:spPr>
-          <a:xfrm>
-            <a:off x="-3936719" y="3429000"/>
-            <a:ext cx="3760829" cy="2448272"/>
-          </a:xfrm>
-          <a:prstGeom prst="rect">
-            <a:avLst/>
-          </a:prstGeom>
-        </p:spPr>
-      </p:pic>
-      <p:pic>
-        <p:nvPicPr>
-          <p:cNvPr id="9" name="Picture 8"/>
-          <p:cNvPicPr>
-            <a:picLocks noChangeAspect="1"/>
-          </p:cNvPicPr>
-          <p:nvPr/>
-        </p:nvPicPr>
-        <p:blipFill>
-          <a:blip r:embed="rId3"/>
-          <a:stretch>
-            <a:fillRect/>
-          </a:stretch>
-        </p:blipFill>
-        <p:spPr>
-          <a:xfrm>
-            <a:off x="-3852936" y="692696"/>
-            <a:ext cx="3593264" cy="2088232"/>
-          </a:xfrm>
-          <a:prstGeom prst="rect">
-            <a:avLst/>
-          </a:prstGeom>
-        </p:spPr>
-      </p:pic>
       <p:sp>
         <p:nvSpPr>
           <p:cNvPr id="3" name="TextBox 2"/>
@@ -6571,7 +6797,7 @@
           <p:nvPr/>
         </p:nvPicPr>
         <p:blipFill>
-          <a:blip r:embed="rId4"/>
+          <a:blip r:embed="rId2"/>
           <a:stretch>
             <a:fillRect/>
           </a:stretch>
@@ -7242,7 +7468,7 @@
             </a:r>
             <a:fld id="{A9DEA08E-4CB3-E742-9AC2-43959A293033}" type="datetime4">
               <a:rPr lang="en-AU" smtClean="0"/>
-              <a:t>13 April 2021</a:t>
+              <a:t>16 April 2021</a:t>
             </a:fld>
             <a:endParaRPr lang="en-US" dirty="0"/>
           </a:p>
@@ -7596,7 +7822,7 @@
             </a:r>
             <a:fld id="{A9DEA08E-4CB3-E742-9AC2-43959A293033}" type="datetime4">
               <a:rPr lang="en-AU" smtClean="0"/>
-              <a:t>13 April 2021</a:t>
+              <a:t>16 April 2021</a:t>
             </a:fld>
             <a:endParaRPr lang="en-US" dirty="0"/>
           </a:p>
@@ -7847,7 +8073,7 @@
             </a:r>
             <a:fld id="{A9DEA08E-4CB3-E742-9AC2-43959A293033}" type="datetime4">
               <a:rPr lang="en-AU" smtClean="0"/>
-              <a:t>13 April 2021</a:t>
+              <a:t>16 April 2021</a:t>
             </a:fld>
             <a:endParaRPr lang="en-US" dirty="0"/>
           </a:p>
@@ -7984,7 +8210,7 @@
             </a:r>
             <a:fld id="{A9DEA08E-4CB3-E742-9AC2-43959A293033}" type="datetime4">
               <a:rPr lang="en-AU" smtClean="0"/>
-              <a:t>13 April 2021</a:t>
+              <a:t>16 April 2021</a:t>
             </a:fld>
             <a:endParaRPr lang="en-US" dirty="0"/>
           </a:p>
@@ -8054,7 +8280,7 @@
         <p:spPr>
           <a:xfrm>
             <a:off x="179512" y="1311429"/>
-            <a:ext cx="8708901" cy="1323439"/>
+            <a:ext cx="8708901" cy="1077218"/>
           </a:xfrm>
           <a:prstGeom prst="rect">
             <a:avLst/>
@@ -8068,44 +8294,52 @@
           <a:lstStyle/>
           <a:p>
             <a:r>
-              <a:rPr lang="en-US" sz="2800" dirty="0"/>
+              <a:rPr lang="en-US" sz="2000" dirty="0"/>
               <a:t>What is </a:t>
             </a:r>
             <a:r>
-              <a:rPr lang="en-US" sz="2800" i="1" dirty="0" err="1"/>
+              <a:rPr lang="en-US" sz="2000" i="1" dirty="0" err="1"/>
               <a:t>inorder</a:t>
             </a:r>
             <a:r>
-              <a:rPr lang="en-US" sz="2800" dirty="0"/>
+              <a:rPr lang="en-US" sz="2000" dirty="0"/>
               <a:t>, </a:t>
             </a:r>
             <a:r>
-              <a:rPr lang="en-US" sz="2800" i="1" dirty="0"/>
+              <a:rPr lang="en-US" sz="2000" i="1" dirty="0"/>
               <a:t>preorder</a:t>
             </a:r>
             <a:r>
-              <a:rPr lang="en-US" sz="2800" dirty="0"/>
+              <a:rPr lang="en-US" sz="2000" dirty="0"/>
               <a:t>, </a:t>
             </a:r>
             <a:r>
-              <a:rPr lang="en-US" sz="2800" i="1" dirty="0" err="1"/>
+              <a:rPr lang="en-US" sz="2000" i="1" dirty="0" err="1"/>
               <a:t>postorder</a:t>
             </a:r>
             <a:r>
-              <a:rPr lang="en-US" sz="2800" i="1" dirty="0"/>
+              <a:rPr lang="en-US" sz="2000" i="1" dirty="0"/>
               <a:t>, </a:t>
             </a:r>
             <a:r>
-              <a:rPr lang="en-US" sz="2800" dirty="0"/>
+              <a:rPr lang="en-US" sz="2000" dirty="0"/>
               <a:t>and</a:t>
             </a:r>
             <a:r>
-              <a:rPr lang="en-US" sz="2800" i="1" dirty="0"/>
+              <a:rPr lang="en-US" sz="2000" i="1" dirty="0"/>
               <a:t> level-order</a:t>
             </a:r>
             <a:r>
-              <a:rPr lang="en-US" sz="2800" dirty="0"/>
-              <a:t> traversal? Are they BFS or DFS?</a:t>
+              <a:rPr lang="en-US" sz="2000" dirty="0"/>
+              <a:t> traversal? Are they BFS or DFS? </a:t>
+            </a:r>
+            <a:r>
+              <a:rPr lang="en-US" sz="2000" i="1" dirty="0">
+                <a:solidFill>
+                  <a:srgbClr val="C00000"/>
+                </a:solidFill>
+              </a:rPr>
+              <a:t>Run in-, pre-, and post-order traversal for the RHS tree.</a:t>
             </a:r>
           </a:p>
           <a:p>
@@ -8137,42 +8371,6 @@
           </a:prstGeom>
         </p:spPr>
       </p:pic>
-      <p:sp>
-        <p:nvSpPr>
-          <p:cNvPr id="10" name="TextBox 9"/>
-          <p:cNvSpPr txBox="1"/>
-          <p:nvPr/>
-        </p:nvSpPr>
-        <p:spPr>
-          <a:xfrm>
-            <a:off x="293688" y="5529600"/>
-            <a:ext cx="5014643" cy="830997"/>
-          </a:xfrm>
-          <a:prstGeom prst="rect">
-            <a:avLst/>
-          </a:prstGeom>
-          <a:noFill/>
-        </p:spPr>
-        <p:txBody>
-          <a:bodyPr wrap="none" rtlCol="0">
-            <a:spAutoFit/>
-          </a:bodyPr>
-          <a:lstStyle/>
-          <a:p>
-            <a:endParaRPr lang="en-US" b="1" dirty="0"/>
-          </a:p>
-          <a:p>
-            <a:r>
-              <a:rPr lang="en-US" b="1" dirty="0"/>
-              <a:t>Group Work:</a:t>
-            </a:r>
-            <a:r>
-              <a:rPr lang="en-US" dirty="0"/>
-              <a:t> Problems T3, T4, T5.</a:t>
-            </a:r>
-          </a:p>
-        </p:txBody>
-      </p:sp>
       <p:pic>
         <p:nvPicPr>
           <p:cNvPr id="9" name="Content Placeholder 6">
